--- a/homework/HW5/Homework5_12032189_LiuYuxi.pptx
+++ b/homework/HW5/Homework5_12032189_LiuYuxi.pptx
@@ -5,17 +5,18 @@
     <p:sldMasterId id="2147483648" r:id="rId1"/>
   </p:sldMasterIdLst>
   <p:notesMasterIdLst>
-    <p:notesMasterId r:id="rId10"/>
+    <p:notesMasterId r:id="rId11"/>
   </p:notesMasterIdLst>
   <p:sldIdLst>
     <p:sldId id="256" r:id="rId2"/>
-    <p:sldId id="257" r:id="rId3"/>
-    <p:sldId id="280" r:id="rId4"/>
-    <p:sldId id="286" r:id="rId5"/>
-    <p:sldId id="287" r:id="rId6"/>
-    <p:sldId id="292" r:id="rId7"/>
-    <p:sldId id="293" r:id="rId8"/>
-    <p:sldId id="278" r:id="rId9"/>
+    <p:sldId id="280" r:id="rId3"/>
+    <p:sldId id="286" r:id="rId4"/>
+    <p:sldId id="287" r:id="rId5"/>
+    <p:sldId id="292" r:id="rId6"/>
+    <p:sldId id="293" r:id="rId7"/>
+    <p:sldId id="294" r:id="rId8"/>
+    <p:sldId id="295" r:id="rId9"/>
+    <p:sldId id="278" r:id="rId10"/>
   </p:sldIdLst>
   <p:sldSz cx="12192000" cy="6858000"/>
   <p:notesSz cx="6858000" cy="9144000"/>
@@ -204,7 +205,7 @@
           <a:p>
             <a:fld id="{64E48133-5521-4410-A078-A4E3FC8E8478}" type="datetimeFigureOut">
               <a:rPr lang="zh-CN" altLang="en-US" smtClean="0"/>
-              <a:t>2020/10/20</a:t>
+              <a:t>2020/10/21</a:t>
             </a:fld>
             <a:endParaRPr lang="zh-CN" altLang="en-US"/>
           </a:p>
@@ -618,7 +619,7 @@
           <a:p>
             <a:fld id="{23807FF7-5135-4415-9EBF-85A0F228A2DD}" type="datetimeFigureOut">
               <a:rPr lang="zh-CN" altLang="en-US" smtClean="0"/>
-              <a:t>2020/10/20</a:t>
+              <a:t>2020/10/21</a:t>
             </a:fld>
             <a:endParaRPr lang="zh-CN" altLang="en-US"/>
           </a:p>
@@ -816,7 +817,7 @@
           <a:p>
             <a:fld id="{23807FF7-5135-4415-9EBF-85A0F228A2DD}" type="datetimeFigureOut">
               <a:rPr lang="zh-CN" altLang="en-US" smtClean="0"/>
-              <a:t>2020/10/20</a:t>
+              <a:t>2020/10/21</a:t>
             </a:fld>
             <a:endParaRPr lang="zh-CN" altLang="en-US"/>
           </a:p>
@@ -1024,7 +1025,7 @@
           <a:p>
             <a:fld id="{23807FF7-5135-4415-9EBF-85A0F228A2DD}" type="datetimeFigureOut">
               <a:rPr lang="zh-CN" altLang="en-US" smtClean="0"/>
-              <a:t>2020/10/20</a:t>
+              <a:t>2020/10/21</a:t>
             </a:fld>
             <a:endParaRPr lang="zh-CN" altLang="en-US"/>
           </a:p>
@@ -1222,7 +1223,7 @@
           <a:p>
             <a:fld id="{23807FF7-5135-4415-9EBF-85A0F228A2DD}" type="datetimeFigureOut">
               <a:rPr lang="zh-CN" altLang="en-US" smtClean="0"/>
-              <a:t>2020/10/20</a:t>
+              <a:t>2020/10/21</a:t>
             </a:fld>
             <a:endParaRPr lang="zh-CN" altLang="en-US"/>
           </a:p>
@@ -1497,7 +1498,7 @@
           <a:p>
             <a:fld id="{23807FF7-5135-4415-9EBF-85A0F228A2DD}" type="datetimeFigureOut">
               <a:rPr lang="zh-CN" altLang="en-US" smtClean="0"/>
-              <a:t>2020/10/20</a:t>
+              <a:t>2020/10/21</a:t>
             </a:fld>
             <a:endParaRPr lang="zh-CN" altLang="en-US"/>
           </a:p>
@@ -1762,7 +1763,7 @@
           <a:p>
             <a:fld id="{23807FF7-5135-4415-9EBF-85A0F228A2DD}" type="datetimeFigureOut">
               <a:rPr lang="zh-CN" altLang="en-US" smtClean="0"/>
-              <a:t>2020/10/20</a:t>
+              <a:t>2020/10/21</a:t>
             </a:fld>
             <a:endParaRPr lang="zh-CN" altLang="en-US"/>
           </a:p>
@@ -2174,7 +2175,7 @@
           <a:p>
             <a:fld id="{23807FF7-5135-4415-9EBF-85A0F228A2DD}" type="datetimeFigureOut">
               <a:rPr lang="zh-CN" altLang="en-US" smtClean="0"/>
-              <a:t>2020/10/20</a:t>
+              <a:t>2020/10/21</a:t>
             </a:fld>
             <a:endParaRPr lang="zh-CN" altLang="en-US"/>
           </a:p>
@@ -2315,7 +2316,7 @@
           <a:p>
             <a:fld id="{23807FF7-5135-4415-9EBF-85A0F228A2DD}" type="datetimeFigureOut">
               <a:rPr lang="zh-CN" altLang="en-US" smtClean="0"/>
-              <a:t>2020/10/20</a:t>
+              <a:t>2020/10/21</a:t>
             </a:fld>
             <a:endParaRPr lang="zh-CN" altLang="en-US"/>
           </a:p>
@@ -2428,7 +2429,7 @@
           <a:p>
             <a:fld id="{23807FF7-5135-4415-9EBF-85A0F228A2DD}" type="datetimeFigureOut">
               <a:rPr lang="zh-CN" altLang="en-US" smtClean="0"/>
-              <a:t>2020/10/20</a:t>
+              <a:t>2020/10/21</a:t>
             </a:fld>
             <a:endParaRPr lang="zh-CN" altLang="en-US"/>
           </a:p>
@@ -2739,7 +2740,7 @@
           <a:p>
             <a:fld id="{23807FF7-5135-4415-9EBF-85A0F228A2DD}" type="datetimeFigureOut">
               <a:rPr lang="zh-CN" altLang="en-US" smtClean="0"/>
-              <a:t>2020/10/20</a:t>
+              <a:t>2020/10/21</a:t>
             </a:fld>
             <a:endParaRPr lang="zh-CN" altLang="en-US"/>
           </a:p>
@@ -3027,7 +3028,7 @@
           <a:p>
             <a:fld id="{23807FF7-5135-4415-9EBF-85A0F228A2DD}" type="datetimeFigureOut">
               <a:rPr lang="zh-CN" altLang="en-US" smtClean="0"/>
-              <a:t>2020/10/20</a:t>
+              <a:t>2020/10/21</a:t>
             </a:fld>
             <a:endParaRPr lang="zh-CN" altLang="en-US"/>
           </a:p>
@@ -3268,7 +3269,7 @@
           <a:p>
             <a:fld id="{23807FF7-5135-4415-9EBF-85A0F228A2DD}" type="datetimeFigureOut">
               <a:rPr lang="zh-CN" altLang="en-US" smtClean="0"/>
-              <a:t>2020/10/20</a:t>
+              <a:t>2020/10/21</a:t>
             </a:fld>
             <a:endParaRPr lang="zh-CN" altLang="en-US"/>
           </a:p>
@@ -3836,113 +3837,6 @@
           <p:cNvPr id="4" name="标题 1">
             <a:extLst>
               <a:ext uri="{FF2B5EF4-FFF2-40B4-BE49-F238E27FC236}">
-                <a16:creationId xmlns:a16="http://schemas.microsoft.com/office/drawing/2014/main" id="{B70506BB-0286-430B-8F75-90920D3CCFC4}"/>
-              </a:ext>
-            </a:extLst>
-          </p:cNvPr>
-          <p:cNvSpPr>
-            <a:spLocks noGrp="1"/>
-          </p:cNvSpPr>
-          <p:nvPr>
-            <p:ph type="title"/>
-          </p:nvPr>
-        </p:nvSpPr>
-        <p:spPr>
-          <a:xfrm>
-            <a:off x="838200" y="365125"/>
-            <a:ext cx="10515600" cy="1325563"/>
-          </a:xfrm>
-        </p:spPr>
-        <p:txBody>
-          <a:bodyPr/>
-          <a:lstStyle/>
-          <a:p>
-            <a:r>
-              <a:rPr lang="en-US" altLang="zh-CN" b="1" dirty="0"/>
-              <a:t>context</a:t>
-            </a:r>
-            <a:endParaRPr lang="zh-CN" altLang="en-US" b="1" dirty="0"/>
-          </a:p>
-        </p:txBody>
-      </p:sp>
-      <p:sp>
-        <p:nvSpPr>
-          <p:cNvPr id="5" name="内容占位符 2">
-            <a:extLst>
-              <a:ext uri="{FF2B5EF4-FFF2-40B4-BE49-F238E27FC236}">
-                <a16:creationId xmlns:a16="http://schemas.microsoft.com/office/drawing/2014/main" id="{22AEC38C-AFF6-4F0A-9439-6429AE9F5A6B}"/>
-              </a:ext>
-            </a:extLst>
-          </p:cNvPr>
-          <p:cNvSpPr>
-            <a:spLocks noGrp="1"/>
-          </p:cNvSpPr>
-          <p:nvPr>
-            <p:ph idx="1"/>
-          </p:nvPr>
-        </p:nvSpPr>
-        <p:spPr>
-          <a:xfrm>
-            <a:off x="838200" y="1825625"/>
-            <a:ext cx="10515600" cy="4351338"/>
-          </a:xfrm>
-        </p:spPr>
-        <p:txBody>
-          <a:bodyPr/>
-          <a:lstStyle/>
-          <a:p>
-            <a:r>
-              <a:rPr lang="en-US" altLang="zh-CN" b="1" dirty="0"/>
-              <a:t>Exercise 3-1</a:t>
-            </a:r>
-          </a:p>
-          <a:p>
-            <a:endParaRPr lang="en-US" altLang="zh-CN" b="1" dirty="0"/>
-          </a:p>
-          <a:p>
-            <a:r>
-              <a:rPr lang="en-US" altLang="zh-CN" b="1" dirty="0"/>
-              <a:t>Exercise 3-2</a:t>
-            </a:r>
-            <a:endParaRPr lang="zh-CN" altLang="en-US" b="1" dirty="0"/>
-          </a:p>
-        </p:txBody>
-      </p:sp>
-    </p:spTree>
-    <p:extLst>
-      <p:ext uri="{BB962C8B-B14F-4D97-AF65-F5344CB8AC3E}">
-        <p14:creationId xmlns:p14="http://schemas.microsoft.com/office/powerpoint/2010/main" val="3121627482"/>
-      </p:ext>
-    </p:extLst>
-  </p:cSld>
-  <p:clrMapOvr>
-    <a:masterClrMapping/>
-  </p:clrMapOvr>
-</p:sld>
-</file>
-
-<file path=ppt/slides/slide3.xml><?xml version="1.0" encoding="utf-8"?>
-<p:sld xmlns:a="http://schemas.openxmlformats.org/drawingml/2006/main" xmlns:r="http://schemas.openxmlformats.org/officeDocument/2006/relationships" xmlns:p="http://schemas.openxmlformats.org/presentationml/2006/main">
-  <p:cSld>
-    <p:spTree>
-      <p:nvGrpSpPr>
-        <p:cNvPr id="1" name=""/>
-        <p:cNvGrpSpPr/>
-        <p:nvPr/>
-      </p:nvGrpSpPr>
-      <p:grpSpPr>
-        <a:xfrm>
-          <a:off x="0" y="0"/>
-          <a:ext cx="0" cy="0"/>
-          <a:chOff x="0" y="0"/>
-          <a:chExt cx="0" cy="0"/>
-        </a:xfrm>
-      </p:grpSpPr>
-      <p:sp>
-        <p:nvSpPr>
-          <p:cNvPr id="4" name="标题 1">
-            <a:extLst>
-              <a:ext uri="{FF2B5EF4-FFF2-40B4-BE49-F238E27FC236}">
                 <a16:creationId xmlns:a16="http://schemas.microsoft.com/office/drawing/2014/main" id="{1EA6C3A5-1001-445C-A77E-0C8EA367598B}"/>
               </a:ext>
             </a:extLst>
@@ -4349,82 +4243,22 @@
           </p:txBody>
         </p:sp>
       </p:grpSp>
-    </p:spTree>
-    <p:extLst>
-      <p:ext uri="{BB962C8B-B14F-4D97-AF65-F5344CB8AC3E}">
-        <p14:creationId xmlns:p14="http://schemas.microsoft.com/office/powerpoint/2010/main" val="4054751247"/>
-      </p:ext>
-    </p:extLst>
-  </p:cSld>
-  <p:clrMapOvr>
-    <a:masterClrMapping/>
-  </p:clrMapOvr>
-</p:sld>
-</file>
-
-<file path=ppt/slides/slide4.xml><?xml version="1.0" encoding="utf-8"?>
-<p:sld xmlns:a="http://schemas.openxmlformats.org/drawingml/2006/main" xmlns:r="http://schemas.openxmlformats.org/officeDocument/2006/relationships" xmlns:p="http://schemas.openxmlformats.org/presentationml/2006/main">
-  <p:cSld>
-    <p:spTree>
-      <p:nvGrpSpPr>
-        <p:cNvPr id="1" name=""/>
-        <p:cNvGrpSpPr/>
-        <p:nvPr/>
-      </p:nvGrpSpPr>
-      <p:grpSpPr>
-        <a:xfrm>
-          <a:off x="0" y="0"/>
-          <a:ext cx="0" cy="0"/>
-          <a:chOff x="0" y="0"/>
-          <a:chExt cx="0" cy="0"/>
-        </a:xfrm>
-      </p:grpSpPr>
-      <p:pic>
-        <p:nvPicPr>
-          <p:cNvPr id="7" name="图片 6">
-            <a:extLst>
-              <a:ext uri="{FF2B5EF4-FFF2-40B4-BE49-F238E27FC236}">
-                <a16:creationId xmlns:a16="http://schemas.microsoft.com/office/drawing/2014/main" id="{A9850101-B214-4338-9889-F067DF527F1E}"/>
-              </a:ext>
-            </a:extLst>
-          </p:cNvPr>
-          <p:cNvPicPr>
-            <a:picLocks noChangeAspect="1"/>
-          </p:cNvPicPr>
+      <p:sp>
+        <p:nvSpPr>
+          <p:cNvPr id="2" name="文本框 1">
+            <a:extLst>
+              <a:ext uri="{FF2B5EF4-FFF2-40B4-BE49-F238E27FC236}">
+                <a16:creationId xmlns:a16="http://schemas.microsoft.com/office/drawing/2014/main" id="{3EF94362-42A4-44CF-B3F2-5BCECE3029F1}"/>
+              </a:ext>
+            </a:extLst>
+          </p:cNvPr>
+          <p:cNvSpPr txBox="1"/>
           <p:nvPr/>
-        </p:nvPicPr>
-        <p:blipFill>
-          <a:blip r:embed="rId2"/>
-          <a:stretch>
-            <a:fillRect/>
-          </a:stretch>
-        </p:blipFill>
+        </p:nvSpPr>
         <p:spPr>
           <a:xfrm>
-            <a:off x="508247" y="1105608"/>
-            <a:ext cx="4942857" cy="4923809"/>
-          </a:xfrm>
-          <a:prstGeom prst="rect">
-            <a:avLst/>
-          </a:prstGeom>
-        </p:spPr>
-      </p:pic>
-      <p:sp>
-        <p:nvSpPr>
-          <p:cNvPr id="9" name="文本框 8">
-            <a:extLst>
-              <a:ext uri="{FF2B5EF4-FFF2-40B4-BE49-F238E27FC236}">
-                <a16:creationId xmlns:a16="http://schemas.microsoft.com/office/drawing/2014/main" id="{479C9731-7AA4-446D-BCEE-85580D5A48DC}"/>
-              </a:ext>
-            </a:extLst>
-          </p:cNvPr>
-          <p:cNvSpPr txBox="1"/>
-          <p:nvPr/>
-        </p:nvSpPr>
-        <p:spPr>
-          <a:xfrm>
-            <a:off x="348449" y="498910"/>
-            <a:ext cx="6094520" cy="400110"/>
+            <a:off x="6940120" y="3244334"/>
+            <a:ext cx="5595703" cy="369332"/>
           </a:xfrm>
           <a:prstGeom prst="rect">
             <a:avLst/>
@@ -4432,228 +4266,33 @@
           <a:noFill/>
         </p:spPr>
         <p:txBody>
-          <a:bodyPr wrap="square">
+          <a:bodyPr wrap="square" rtlCol="0">
             <a:spAutoFit/>
           </a:bodyPr>
           <a:lstStyle/>
           <a:p>
-            <a:r>
-              <a:rPr lang="en-US" altLang="zh-CN" sz="2000" b="1" i="0" u="none" strike="noStrike" baseline="0" dirty="0">
+            <a:pPr algn="just"/>
+            <a:r>
+              <a:rPr lang="en-US" altLang="zh-CN" sz="1800" b="1" i="0" u="none" strike="noStrike" baseline="0" dirty="0">
                 <a:solidFill>
                   <a:srgbClr val="000000"/>
                 </a:solidFill>
                 <a:latin typeface="Arial" panose="020B0604020202020204" pitchFamily="34" charset="0"/>
               </a:rPr>
-              <a:t>initial centers selection algorithm </a:t>
-            </a:r>
-            <a:endParaRPr lang="zh-CN" altLang="en-US" sz="2000" dirty="0"/>
-          </a:p>
-        </p:txBody>
-      </p:sp>
-      <p:grpSp>
-        <p:nvGrpSpPr>
-          <p:cNvPr id="46" name="组合 45">
-            <a:extLst>
-              <a:ext uri="{FF2B5EF4-FFF2-40B4-BE49-F238E27FC236}">
-                <a16:creationId xmlns:a16="http://schemas.microsoft.com/office/drawing/2014/main" id="{BA988319-4FA5-4705-A92B-2A3F324A7A34}"/>
-              </a:ext>
-            </a:extLst>
-          </p:cNvPr>
-          <p:cNvGrpSpPr/>
-          <p:nvPr/>
-        </p:nvGrpSpPr>
-        <p:grpSpPr>
-          <a:xfrm>
-            <a:off x="5451104" y="1566310"/>
-            <a:ext cx="1246088" cy="451019"/>
-            <a:chOff x="5604021" y="1450901"/>
-            <a:chExt cx="1246088" cy="451019"/>
-          </a:xfrm>
-        </p:grpSpPr>
-        <p:sp>
-          <p:nvSpPr>
-            <p:cNvPr id="19" name="矩形 18">
-              <a:extLst>
-                <a:ext uri="{FF2B5EF4-FFF2-40B4-BE49-F238E27FC236}">
-                  <a16:creationId xmlns:a16="http://schemas.microsoft.com/office/drawing/2014/main" id="{68509CF3-4C64-49F8-B588-49B813744077}"/>
-                </a:ext>
-              </a:extLst>
-            </p:cNvPr>
-            <p:cNvSpPr/>
-            <p:nvPr/>
-          </p:nvSpPr>
-          <p:spPr>
-            <a:xfrm>
-              <a:off x="5604021" y="1460377"/>
-              <a:ext cx="1246088" cy="441543"/>
-            </a:xfrm>
-            <a:prstGeom prst="rect">
-              <a:avLst/>
-            </a:prstGeom>
-            <a:noFill/>
-            <a:ln>
-              <a:prstDash val="solid"/>
-            </a:ln>
-          </p:spPr>
-          <p:style>
-            <a:lnRef idx="2">
-              <a:schemeClr val="accent1">
-                <a:shade val="50000"/>
-              </a:schemeClr>
-            </a:lnRef>
-            <a:fillRef idx="1">
-              <a:schemeClr val="accent1"/>
-            </a:fillRef>
-            <a:effectRef idx="0">
-              <a:schemeClr val="accent1"/>
-            </a:effectRef>
-            <a:fontRef idx="minor">
-              <a:schemeClr val="lt1"/>
-            </a:fontRef>
-          </p:style>
-          <p:txBody>
-            <a:bodyPr rtlCol="0" anchor="ctr"/>
-            <a:lstStyle/>
-            <a:p>
-              <a:pPr algn="ctr"/>
-              <a:endParaRPr lang="zh-CN" altLang="en-US"/>
-            </a:p>
-          </p:txBody>
-        </p:sp>
-        <p:grpSp>
-          <p:nvGrpSpPr>
-            <p:cNvPr id="44" name="组合 43">
-              <a:extLst>
-                <a:ext uri="{FF2B5EF4-FFF2-40B4-BE49-F238E27FC236}">
-                  <a16:creationId xmlns:a16="http://schemas.microsoft.com/office/drawing/2014/main" id="{158DB6A4-8FE4-4732-A537-878A4661C649}"/>
-                </a:ext>
-              </a:extLst>
-            </p:cNvPr>
-            <p:cNvGrpSpPr/>
-            <p:nvPr/>
-          </p:nvGrpSpPr>
-          <p:grpSpPr>
-            <a:xfrm>
-              <a:off x="5675265" y="1450901"/>
-              <a:ext cx="1174844" cy="451019"/>
-              <a:chOff x="5675265" y="1450901"/>
-              <a:chExt cx="1174844" cy="451019"/>
-            </a:xfrm>
-          </p:grpSpPr>
+              <a:t>Greedy-Center-Selection</a:t>
+            </a:r>
+            <a:endParaRPr lang="zh-CN" altLang="en-US" dirty="0"/>
+          </a:p>
+        </p:txBody>
+      </p:sp>
+      <mc:AlternateContent xmlns:mc="http://schemas.openxmlformats.org/markup-compatibility/2006">
+        <mc:Choice xmlns:a14="http://schemas.microsoft.com/office/drawing/2010/main" Requires="a14">
           <p:sp>
             <p:nvSpPr>
-              <p:cNvPr id="13" name="椭圆 12">
+              <p:cNvPr id="3" name="文本框 2">
                 <a:extLst>
                   <a:ext uri="{FF2B5EF4-FFF2-40B4-BE49-F238E27FC236}">
-                    <a16:creationId xmlns:a16="http://schemas.microsoft.com/office/drawing/2014/main" id="{4E305224-5402-4A0C-9A7C-AE176CED8893}"/>
-                  </a:ext>
-                </a:extLst>
-              </p:cNvPr>
-              <p:cNvSpPr/>
-              <p:nvPr/>
-            </p:nvSpPr>
-            <p:spPr>
-              <a:xfrm>
-                <a:off x="5688281" y="1703034"/>
-                <a:ext cx="148410" cy="148410"/>
-              </a:xfrm>
-              <a:prstGeom prst="ellipse">
-                <a:avLst/>
-              </a:prstGeom>
-              <a:solidFill>
-                <a:srgbClr val="0000FF"/>
-              </a:solidFill>
-              <a:ln>
-                <a:solidFill>
-                  <a:schemeClr val="tx1"/>
-                </a:solidFill>
-              </a:ln>
-            </p:spPr>
-            <p:style>
-              <a:lnRef idx="2">
-                <a:schemeClr val="accent6">
-                  <a:shade val="50000"/>
-                </a:schemeClr>
-              </a:lnRef>
-              <a:fillRef idx="1">
-                <a:schemeClr val="accent6"/>
-              </a:fillRef>
-              <a:effectRef idx="0">
-                <a:schemeClr val="accent6"/>
-              </a:effectRef>
-              <a:fontRef idx="minor">
-                <a:schemeClr val="lt1"/>
-              </a:fontRef>
-            </p:style>
-            <p:txBody>
-              <a:bodyPr rtlCol="0" anchor="ctr"/>
-              <a:lstStyle/>
-              <a:p>
-                <a:pPr algn="ctr"/>
-                <a:endParaRPr lang="zh-CN" altLang="en-US"/>
-              </a:p>
-            </p:txBody>
-          </p:sp>
-          <p:sp>
-            <p:nvSpPr>
-              <p:cNvPr id="17" name="椭圆 16">
-                <a:extLst>
-                  <a:ext uri="{FF2B5EF4-FFF2-40B4-BE49-F238E27FC236}">
-                    <a16:creationId xmlns:a16="http://schemas.microsoft.com/office/drawing/2014/main" id="{64C95FA8-D370-4048-B0D3-26C581A8E74C}"/>
-                  </a:ext>
-                </a:extLst>
-              </p:cNvPr>
-              <p:cNvSpPr/>
-              <p:nvPr/>
-            </p:nvSpPr>
-            <p:spPr>
-              <a:xfrm>
-                <a:off x="5675265" y="1497368"/>
-                <a:ext cx="148410" cy="148410"/>
-              </a:xfrm>
-              <a:prstGeom prst="ellipse">
-                <a:avLst/>
-              </a:prstGeom>
-              <a:solidFill>
-                <a:srgbClr val="FF0000"/>
-              </a:solidFill>
-              <a:ln>
-                <a:solidFill>
-                  <a:schemeClr val="tx1"/>
-                </a:solidFill>
-              </a:ln>
-            </p:spPr>
-            <p:style>
-              <a:lnRef idx="2">
-                <a:schemeClr val="accent6">
-                  <a:shade val="50000"/>
-                </a:schemeClr>
-              </a:lnRef>
-              <a:fillRef idx="1">
-                <a:schemeClr val="accent6"/>
-              </a:fillRef>
-              <a:effectRef idx="0">
-                <a:schemeClr val="accent6"/>
-              </a:effectRef>
-              <a:fontRef idx="minor">
-                <a:schemeClr val="lt1"/>
-              </a:fontRef>
-            </p:style>
-            <p:txBody>
-              <a:bodyPr rtlCol="0" anchor="ctr"/>
-              <a:lstStyle/>
-              <a:p>
-                <a:pPr algn="ctr"/>
-                <a:endParaRPr lang="zh-CN" altLang="en-US"/>
-              </a:p>
-            </p:txBody>
-          </p:sp>
-          <p:sp>
-            <p:nvSpPr>
-              <p:cNvPr id="21" name="文本框 20">
-                <a:extLst>
-                  <a:ext uri="{FF2B5EF4-FFF2-40B4-BE49-F238E27FC236}">
-                    <a16:creationId xmlns:a16="http://schemas.microsoft.com/office/drawing/2014/main" id="{AED501AC-E2EF-4424-A242-57793AD8F71F}"/>
+                    <a16:creationId xmlns:a16="http://schemas.microsoft.com/office/drawing/2014/main" id="{AC863AF8-CE09-4BB1-91F9-F2CB04CEF556}"/>
                   </a:ext>
                 </a:extLst>
               </p:cNvPr>
@@ -4662,202 +4301,7 @@
             </p:nvSpPr>
             <p:spPr>
               <a:xfrm>
-                <a:off x="5823675" y="1450901"/>
-                <a:ext cx="1026434" cy="261610"/>
-              </a:xfrm>
-              <a:prstGeom prst="rect">
-                <a:avLst/>
-              </a:prstGeom>
-              <a:noFill/>
-            </p:spPr>
-            <p:txBody>
-              <a:bodyPr wrap="square" rtlCol="0">
-                <a:spAutoFit/>
-              </a:bodyPr>
-              <a:lstStyle/>
-              <a:p>
-                <a:r>
-                  <a:rPr lang="en-US" altLang="zh-CN" sz="1100" dirty="0"/>
-                  <a:t>Initial center</a:t>
-                </a:r>
-                <a:endParaRPr lang="zh-CN" altLang="en-US" sz="1100" dirty="0"/>
-              </a:p>
-            </p:txBody>
-          </p:sp>
-          <p:sp>
-            <p:nvSpPr>
-              <p:cNvPr id="23" name="文本框 22">
-                <a:extLst>
-                  <a:ext uri="{FF2B5EF4-FFF2-40B4-BE49-F238E27FC236}">
-                    <a16:creationId xmlns:a16="http://schemas.microsoft.com/office/drawing/2014/main" id="{72F807B0-9EBA-4233-B7FF-F7AB0E2049DF}"/>
-                  </a:ext>
-                </a:extLst>
-              </p:cNvPr>
-              <p:cNvSpPr txBox="1"/>
-              <p:nvPr/>
-            </p:nvSpPr>
-            <p:spPr>
-              <a:xfrm>
-                <a:off x="5823675" y="1640310"/>
-                <a:ext cx="1026434" cy="261610"/>
-              </a:xfrm>
-              <a:prstGeom prst="rect">
-                <a:avLst/>
-              </a:prstGeom>
-              <a:noFill/>
-            </p:spPr>
-            <p:txBody>
-              <a:bodyPr wrap="square" rtlCol="0">
-                <a:spAutoFit/>
-              </a:bodyPr>
-              <a:lstStyle/>
-              <a:p>
-                <a:r>
-                  <a:rPr lang="en-US" altLang="zh-CN" sz="1100" dirty="0"/>
-                  <a:t>Initial site</a:t>
-                </a:r>
-                <a:endParaRPr lang="zh-CN" altLang="en-US" sz="1100" dirty="0"/>
-              </a:p>
-            </p:txBody>
-          </p:sp>
-        </p:grpSp>
-      </p:grpSp>
-      <p:sp>
-        <p:nvSpPr>
-          <p:cNvPr id="43" name="文本框 42">
-            <a:extLst>
-              <a:ext uri="{FF2B5EF4-FFF2-40B4-BE49-F238E27FC236}">
-                <a16:creationId xmlns:a16="http://schemas.microsoft.com/office/drawing/2014/main" id="{21DA108C-5B02-49F9-BB20-4FE430AC6D6B}"/>
-              </a:ext>
-            </a:extLst>
-          </p:cNvPr>
-          <p:cNvSpPr txBox="1"/>
-          <p:nvPr/>
-        </p:nvSpPr>
-        <p:spPr>
-          <a:xfrm>
-            <a:off x="7179816" y="2538499"/>
-            <a:ext cx="5595703" cy="369332"/>
-          </a:xfrm>
-          <a:prstGeom prst="rect">
-            <a:avLst/>
-          </a:prstGeom>
-          <a:noFill/>
-        </p:spPr>
-        <p:txBody>
-          <a:bodyPr wrap="square" rtlCol="0">
-            <a:spAutoFit/>
-          </a:bodyPr>
-          <a:lstStyle/>
-          <a:p>
-            <a:pPr algn="just"/>
-            <a:r>
-              <a:rPr lang="en-US" altLang="zh-CN" sz="1800" b="1" i="0" u="none" strike="noStrike" baseline="0" dirty="0">
-                <a:solidFill>
-                  <a:srgbClr val="000000"/>
-                </a:solidFill>
-                <a:latin typeface="Arial" panose="020B0604020202020204" pitchFamily="34" charset="0"/>
-              </a:rPr>
-              <a:t>Greedy-Center-Selection</a:t>
-            </a:r>
-            <a:endParaRPr lang="zh-CN" altLang="en-US" dirty="0"/>
-          </a:p>
-        </p:txBody>
-      </p:sp>
-      <p:cxnSp>
-        <p:nvCxnSpPr>
-          <p:cNvPr id="48" name="直接箭头连接符 47">
-            <a:extLst>
-              <a:ext uri="{FF2B5EF4-FFF2-40B4-BE49-F238E27FC236}">
-                <a16:creationId xmlns:a16="http://schemas.microsoft.com/office/drawing/2014/main" id="{DE6BED83-8C83-479C-B173-7996A789B0B3}"/>
-              </a:ext>
-            </a:extLst>
-          </p:cNvPr>
-          <p:cNvCxnSpPr>
-            <a:cxnSpLocks/>
-          </p:cNvCxnSpPr>
-          <p:nvPr/>
-        </p:nvCxnSpPr>
-        <p:spPr>
-          <a:xfrm flipH="1" flipV="1">
-            <a:off x="1296141" y="4935984"/>
-            <a:ext cx="144000" cy="1331651"/>
-          </a:xfrm>
-          <a:prstGeom prst="straightConnector1">
-            <a:avLst/>
-          </a:prstGeom>
-          <a:ln w="25400">
-            <a:tailEnd type="triangle"/>
-          </a:ln>
-        </p:spPr>
-        <p:style>
-          <a:lnRef idx="1">
-            <a:schemeClr val="accent4"/>
-          </a:lnRef>
-          <a:fillRef idx="0">
-            <a:schemeClr val="accent4"/>
-          </a:fillRef>
-          <a:effectRef idx="0">
-            <a:schemeClr val="accent4"/>
-          </a:effectRef>
-          <a:fontRef idx="minor">
-            <a:schemeClr val="tx1"/>
-          </a:fontRef>
-        </p:style>
-      </p:cxnSp>
-      <p:sp>
-        <p:nvSpPr>
-          <p:cNvPr id="50" name="文本框 49">
-            <a:extLst>
-              <a:ext uri="{FF2B5EF4-FFF2-40B4-BE49-F238E27FC236}">
-                <a16:creationId xmlns:a16="http://schemas.microsoft.com/office/drawing/2014/main" id="{7189B165-5CAF-406E-87F6-CFB4D0ADFAE4}"/>
-              </a:ext>
-            </a:extLst>
-          </p:cNvPr>
-          <p:cNvSpPr txBox="1"/>
-          <p:nvPr/>
-        </p:nvSpPr>
-        <p:spPr>
-          <a:xfrm>
-            <a:off x="1173018" y="6236005"/>
-            <a:ext cx="1043709" cy="276999"/>
-          </a:xfrm>
-          <a:prstGeom prst="rect">
-            <a:avLst/>
-          </a:prstGeom>
-          <a:noFill/>
-        </p:spPr>
-        <p:txBody>
-          <a:bodyPr wrap="square" rtlCol="0">
-            <a:spAutoFit/>
-          </a:bodyPr>
-          <a:lstStyle/>
-          <a:p>
-            <a:r>
-              <a:rPr lang="en-US" altLang="zh-CN" sz="1200" dirty="0"/>
-              <a:t>First Site</a:t>
-            </a:r>
-            <a:endParaRPr lang="zh-CN" altLang="en-US" sz="1200" dirty="0"/>
-          </a:p>
-        </p:txBody>
-      </p:sp>
-      <mc:AlternateContent xmlns:mc="http://schemas.openxmlformats.org/markup-compatibility/2006">
-        <mc:Choice xmlns:a14="http://schemas.microsoft.com/office/drawing/2010/main" Requires="a14">
-          <p:sp>
-            <p:nvSpPr>
-              <p:cNvPr id="52" name="文本框 51">
-                <a:extLst>
-                  <a:ext uri="{FF2B5EF4-FFF2-40B4-BE49-F238E27FC236}">
-                    <a16:creationId xmlns:a16="http://schemas.microsoft.com/office/drawing/2014/main" id="{80F86FBE-D2FA-48C7-9D18-B274F04A98D6}"/>
-                  </a:ext>
-                </a:extLst>
-              </p:cNvPr>
-              <p:cNvSpPr txBox="1"/>
-              <p:nvPr/>
-            </p:nvSpPr>
-            <p:spPr>
-              <a:xfrm>
-                <a:off x="6697192" y="3082771"/>
+                <a:off x="6413107" y="3642064"/>
                 <a:ext cx="4441054" cy="2031325"/>
               </a:xfrm>
               <a:prstGeom prst="rect">
@@ -5139,10 +4583,10 @@
         <mc:Fallback>
           <p:sp>
             <p:nvSpPr>
-              <p:cNvPr id="52" name="文本框 51">
+              <p:cNvPr id="3" name="文本框 2">
                 <a:extLst>
                   <a:ext uri="{FF2B5EF4-FFF2-40B4-BE49-F238E27FC236}">
-                    <a16:creationId xmlns:a16="http://schemas.microsoft.com/office/drawing/2014/main" id="{80F86FBE-D2FA-48C7-9D18-B274F04A98D6}"/>
+                    <a16:creationId xmlns:a16="http://schemas.microsoft.com/office/drawing/2014/main" id="{AC863AF8-CE09-4BB1-91F9-F2CB04CEF556}"/>
                   </a:ext>
                 </a:extLst>
               </p:cNvPr>
@@ -5153,7 +4597,7 @@
             </p:nvSpPr>
             <p:spPr>
               <a:xfrm>
-                <a:off x="6697192" y="3082771"/>
+                <a:off x="6413107" y="3642064"/>
                 <a:ext cx="4441054" cy="2031325"/>
               </a:xfrm>
               <a:prstGeom prst="rect">
@@ -5162,7 +4606,1030 @@
               <a:blipFill>
                 <a:blip r:embed="rId3"/>
                 <a:stretch>
-                  <a:fillRect l="-274" t="-299" b="-1791"/>
+                  <a:fillRect l="-274" b="-1786"/>
+                </a:stretch>
+              </a:blipFill>
+              <a:ln>
+                <a:solidFill>
+                  <a:schemeClr val="tx1"/>
+                </a:solidFill>
+              </a:ln>
+            </p:spPr>
+            <p:txBody>
+              <a:bodyPr/>
+              <a:lstStyle/>
+              <a:p>
+                <a:r>
+                  <a:rPr lang="zh-CN" altLang="en-US">
+                    <a:noFill/>
+                  </a:rPr>
+                  <a:t> </a:t>
+                </a:r>
+              </a:p>
+            </p:txBody>
+          </p:sp>
+        </mc:Fallback>
+      </mc:AlternateContent>
+    </p:spTree>
+    <p:extLst>
+      <p:ext uri="{BB962C8B-B14F-4D97-AF65-F5344CB8AC3E}">
+        <p14:creationId xmlns:p14="http://schemas.microsoft.com/office/powerpoint/2010/main" val="4054751247"/>
+      </p:ext>
+    </p:extLst>
+  </p:cSld>
+  <p:clrMapOvr>
+    <a:masterClrMapping/>
+  </p:clrMapOvr>
+</p:sld>
+</file>
+
+<file path=ppt/slides/slide3.xml><?xml version="1.0" encoding="utf-8"?>
+<p:sld xmlns:a="http://schemas.openxmlformats.org/drawingml/2006/main" xmlns:r="http://schemas.openxmlformats.org/officeDocument/2006/relationships" xmlns:p="http://schemas.openxmlformats.org/presentationml/2006/main">
+  <p:cSld>
+    <p:spTree>
+      <p:nvGrpSpPr>
+        <p:cNvPr id="1" name=""/>
+        <p:cNvGrpSpPr/>
+        <p:nvPr/>
+      </p:nvGrpSpPr>
+      <p:grpSpPr>
+        <a:xfrm>
+          <a:off x="0" y="0"/>
+          <a:ext cx="0" cy="0"/>
+          <a:chOff x="0" y="0"/>
+          <a:chExt cx="0" cy="0"/>
+        </a:xfrm>
+      </p:grpSpPr>
+      <p:pic>
+        <p:nvPicPr>
+          <p:cNvPr id="7" name="图片 6">
+            <a:extLst>
+              <a:ext uri="{FF2B5EF4-FFF2-40B4-BE49-F238E27FC236}">
+                <a16:creationId xmlns:a16="http://schemas.microsoft.com/office/drawing/2014/main" id="{A9850101-B214-4338-9889-F067DF527F1E}"/>
+              </a:ext>
+            </a:extLst>
+          </p:cNvPr>
+          <p:cNvPicPr>
+            <a:picLocks noChangeAspect="1"/>
+          </p:cNvPicPr>
+          <p:nvPr/>
+        </p:nvPicPr>
+        <p:blipFill>
+          <a:blip r:embed="rId2"/>
+          <a:stretch>
+            <a:fillRect/>
+          </a:stretch>
+        </p:blipFill>
+        <p:spPr>
+          <a:xfrm>
+            <a:off x="508247" y="1105608"/>
+            <a:ext cx="4942857" cy="4923809"/>
+          </a:xfrm>
+          <a:prstGeom prst="rect">
+            <a:avLst/>
+          </a:prstGeom>
+        </p:spPr>
+      </p:pic>
+      <p:sp>
+        <p:nvSpPr>
+          <p:cNvPr id="9" name="文本框 8">
+            <a:extLst>
+              <a:ext uri="{FF2B5EF4-FFF2-40B4-BE49-F238E27FC236}">
+                <a16:creationId xmlns:a16="http://schemas.microsoft.com/office/drawing/2014/main" id="{479C9731-7AA4-446D-BCEE-85580D5A48DC}"/>
+              </a:ext>
+            </a:extLst>
+          </p:cNvPr>
+          <p:cNvSpPr txBox="1"/>
+          <p:nvPr/>
+        </p:nvSpPr>
+        <p:spPr>
+          <a:xfrm>
+            <a:off x="348449" y="498910"/>
+            <a:ext cx="6094520" cy="400110"/>
+          </a:xfrm>
+          <a:prstGeom prst="rect">
+            <a:avLst/>
+          </a:prstGeom>
+          <a:noFill/>
+        </p:spPr>
+        <p:txBody>
+          <a:bodyPr wrap="square">
+            <a:spAutoFit/>
+          </a:bodyPr>
+          <a:lstStyle/>
+          <a:p>
+            <a:r>
+              <a:rPr lang="en-US" altLang="zh-CN" sz="2000" b="1" i="0" u="none" strike="noStrike" baseline="0" dirty="0">
+                <a:solidFill>
+                  <a:srgbClr val="000000"/>
+                </a:solidFill>
+                <a:latin typeface="Arial" panose="020B0604020202020204" pitchFamily="34" charset="0"/>
+              </a:rPr>
+              <a:t>initial centers selection algorithm </a:t>
+            </a:r>
+            <a:endParaRPr lang="zh-CN" altLang="en-US" sz="2000" dirty="0"/>
+          </a:p>
+        </p:txBody>
+      </p:sp>
+      <p:grpSp>
+        <p:nvGrpSpPr>
+          <p:cNvPr id="46" name="组合 45">
+            <a:extLst>
+              <a:ext uri="{FF2B5EF4-FFF2-40B4-BE49-F238E27FC236}">
+                <a16:creationId xmlns:a16="http://schemas.microsoft.com/office/drawing/2014/main" id="{BA988319-4FA5-4705-A92B-2A3F324A7A34}"/>
+              </a:ext>
+            </a:extLst>
+          </p:cNvPr>
+          <p:cNvGrpSpPr/>
+          <p:nvPr/>
+        </p:nvGrpSpPr>
+        <p:grpSpPr>
+          <a:xfrm>
+            <a:off x="5253576" y="1575188"/>
+            <a:ext cx="1189393" cy="451019"/>
+            <a:chOff x="5604021" y="1450901"/>
+            <a:chExt cx="1246088" cy="451019"/>
+          </a:xfrm>
+        </p:grpSpPr>
+        <p:sp>
+          <p:nvSpPr>
+            <p:cNvPr id="19" name="矩形 18">
+              <a:extLst>
+                <a:ext uri="{FF2B5EF4-FFF2-40B4-BE49-F238E27FC236}">
+                  <a16:creationId xmlns:a16="http://schemas.microsoft.com/office/drawing/2014/main" id="{68509CF3-4C64-49F8-B588-49B813744077}"/>
+                </a:ext>
+              </a:extLst>
+            </p:cNvPr>
+            <p:cNvSpPr/>
+            <p:nvPr/>
+          </p:nvSpPr>
+          <p:spPr>
+            <a:xfrm>
+              <a:off x="5604021" y="1460377"/>
+              <a:ext cx="1246088" cy="441543"/>
+            </a:xfrm>
+            <a:prstGeom prst="rect">
+              <a:avLst/>
+            </a:prstGeom>
+            <a:noFill/>
+            <a:ln>
+              <a:prstDash val="solid"/>
+            </a:ln>
+          </p:spPr>
+          <p:style>
+            <a:lnRef idx="2">
+              <a:schemeClr val="accent1">
+                <a:shade val="50000"/>
+              </a:schemeClr>
+            </a:lnRef>
+            <a:fillRef idx="1">
+              <a:schemeClr val="accent1"/>
+            </a:fillRef>
+            <a:effectRef idx="0">
+              <a:schemeClr val="accent1"/>
+            </a:effectRef>
+            <a:fontRef idx="minor">
+              <a:schemeClr val="lt1"/>
+            </a:fontRef>
+          </p:style>
+          <p:txBody>
+            <a:bodyPr rtlCol="0" anchor="ctr"/>
+            <a:lstStyle/>
+            <a:p>
+              <a:pPr algn="ctr"/>
+              <a:endParaRPr lang="zh-CN" altLang="en-US"/>
+            </a:p>
+          </p:txBody>
+        </p:sp>
+        <p:grpSp>
+          <p:nvGrpSpPr>
+            <p:cNvPr id="44" name="组合 43">
+              <a:extLst>
+                <a:ext uri="{FF2B5EF4-FFF2-40B4-BE49-F238E27FC236}">
+                  <a16:creationId xmlns:a16="http://schemas.microsoft.com/office/drawing/2014/main" id="{158DB6A4-8FE4-4732-A537-878A4661C649}"/>
+                </a:ext>
+              </a:extLst>
+            </p:cNvPr>
+            <p:cNvGrpSpPr/>
+            <p:nvPr/>
+          </p:nvGrpSpPr>
+          <p:grpSpPr>
+            <a:xfrm>
+              <a:off x="5675265" y="1450901"/>
+              <a:ext cx="1174844" cy="451019"/>
+              <a:chOff x="5675265" y="1450901"/>
+              <a:chExt cx="1174844" cy="451019"/>
+            </a:xfrm>
+          </p:grpSpPr>
+          <p:sp>
+            <p:nvSpPr>
+              <p:cNvPr id="13" name="椭圆 12">
+                <a:extLst>
+                  <a:ext uri="{FF2B5EF4-FFF2-40B4-BE49-F238E27FC236}">
+                    <a16:creationId xmlns:a16="http://schemas.microsoft.com/office/drawing/2014/main" id="{4E305224-5402-4A0C-9A7C-AE176CED8893}"/>
+                  </a:ext>
+                </a:extLst>
+              </p:cNvPr>
+              <p:cNvSpPr/>
+              <p:nvPr/>
+            </p:nvSpPr>
+            <p:spPr>
+              <a:xfrm>
+                <a:off x="5688281" y="1703034"/>
+                <a:ext cx="148410" cy="148410"/>
+              </a:xfrm>
+              <a:prstGeom prst="ellipse">
+                <a:avLst/>
+              </a:prstGeom>
+              <a:solidFill>
+                <a:srgbClr val="0000FF"/>
+              </a:solidFill>
+              <a:ln>
+                <a:solidFill>
+                  <a:schemeClr val="tx1"/>
+                </a:solidFill>
+              </a:ln>
+            </p:spPr>
+            <p:style>
+              <a:lnRef idx="2">
+                <a:schemeClr val="accent6">
+                  <a:shade val="50000"/>
+                </a:schemeClr>
+              </a:lnRef>
+              <a:fillRef idx="1">
+                <a:schemeClr val="accent6"/>
+              </a:fillRef>
+              <a:effectRef idx="0">
+                <a:schemeClr val="accent6"/>
+              </a:effectRef>
+              <a:fontRef idx="minor">
+                <a:schemeClr val="lt1"/>
+              </a:fontRef>
+            </p:style>
+            <p:txBody>
+              <a:bodyPr rtlCol="0" anchor="ctr"/>
+              <a:lstStyle/>
+              <a:p>
+                <a:pPr algn="ctr"/>
+                <a:endParaRPr lang="zh-CN" altLang="en-US"/>
+              </a:p>
+            </p:txBody>
+          </p:sp>
+          <p:sp>
+            <p:nvSpPr>
+              <p:cNvPr id="17" name="椭圆 16">
+                <a:extLst>
+                  <a:ext uri="{FF2B5EF4-FFF2-40B4-BE49-F238E27FC236}">
+                    <a16:creationId xmlns:a16="http://schemas.microsoft.com/office/drawing/2014/main" id="{64C95FA8-D370-4048-B0D3-26C581A8E74C}"/>
+                  </a:ext>
+                </a:extLst>
+              </p:cNvPr>
+              <p:cNvSpPr/>
+              <p:nvPr/>
+            </p:nvSpPr>
+            <p:spPr>
+              <a:xfrm>
+                <a:off x="5675265" y="1497368"/>
+                <a:ext cx="148410" cy="148410"/>
+              </a:xfrm>
+              <a:prstGeom prst="ellipse">
+                <a:avLst/>
+              </a:prstGeom>
+              <a:solidFill>
+                <a:srgbClr val="FF0000"/>
+              </a:solidFill>
+              <a:ln>
+                <a:solidFill>
+                  <a:schemeClr val="tx1"/>
+                </a:solidFill>
+              </a:ln>
+            </p:spPr>
+            <p:style>
+              <a:lnRef idx="2">
+                <a:schemeClr val="accent6">
+                  <a:shade val="50000"/>
+                </a:schemeClr>
+              </a:lnRef>
+              <a:fillRef idx="1">
+                <a:schemeClr val="accent6"/>
+              </a:fillRef>
+              <a:effectRef idx="0">
+                <a:schemeClr val="accent6"/>
+              </a:effectRef>
+              <a:fontRef idx="minor">
+                <a:schemeClr val="lt1"/>
+              </a:fontRef>
+            </p:style>
+            <p:txBody>
+              <a:bodyPr rtlCol="0" anchor="ctr"/>
+              <a:lstStyle/>
+              <a:p>
+                <a:pPr algn="ctr"/>
+                <a:endParaRPr lang="zh-CN" altLang="en-US"/>
+              </a:p>
+            </p:txBody>
+          </p:sp>
+          <p:sp>
+            <p:nvSpPr>
+              <p:cNvPr id="21" name="文本框 20">
+                <a:extLst>
+                  <a:ext uri="{FF2B5EF4-FFF2-40B4-BE49-F238E27FC236}">
+                    <a16:creationId xmlns:a16="http://schemas.microsoft.com/office/drawing/2014/main" id="{AED501AC-E2EF-4424-A242-57793AD8F71F}"/>
+                  </a:ext>
+                </a:extLst>
+              </p:cNvPr>
+              <p:cNvSpPr txBox="1"/>
+              <p:nvPr/>
+            </p:nvSpPr>
+            <p:spPr>
+              <a:xfrm>
+                <a:off x="5823675" y="1450901"/>
+                <a:ext cx="1026434" cy="261610"/>
+              </a:xfrm>
+              <a:prstGeom prst="rect">
+                <a:avLst/>
+              </a:prstGeom>
+              <a:noFill/>
+            </p:spPr>
+            <p:txBody>
+              <a:bodyPr wrap="square" rtlCol="0">
+                <a:spAutoFit/>
+              </a:bodyPr>
+              <a:lstStyle/>
+              <a:p>
+                <a:r>
+                  <a:rPr lang="en-US" altLang="zh-CN" sz="1100" dirty="0"/>
+                  <a:t>Initial center</a:t>
+                </a:r>
+                <a:endParaRPr lang="zh-CN" altLang="en-US" sz="1100" dirty="0"/>
+              </a:p>
+            </p:txBody>
+          </p:sp>
+          <p:sp>
+            <p:nvSpPr>
+              <p:cNvPr id="23" name="文本框 22">
+                <a:extLst>
+                  <a:ext uri="{FF2B5EF4-FFF2-40B4-BE49-F238E27FC236}">
+                    <a16:creationId xmlns:a16="http://schemas.microsoft.com/office/drawing/2014/main" id="{72F807B0-9EBA-4233-B7FF-F7AB0E2049DF}"/>
+                  </a:ext>
+                </a:extLst>
+              </p:cNvPr>
+              <p:cNvSpPr txBox="1"/>
+              <p:nvPr/>
+            </p:nvSpPr>
+            <p:spPr>
+              <a:xfrm>
+                <a:off x="5823675" y="1640310"/>
+                <a:ext cx="1026434" cy="261610"/>
+              </a:xfrm>
+              <a:prstGeom prst="rect">
+                <a:avLst/>
+              </a:prstGeom>
+              <a:noFill/>
+            </p:spPr>
+            <p:txBody>
+              <a:bodyPr wrap="square" rtlCol="0">
+                <a:spAutoFit/>
+              </a:bodyPr>
+              <a:lstStyle/>
+              <a:p>
+                <a:r>
+                  <a:rPr lang="en-US" altLang="zh-CN" sz="1100" dirty="0"/>
+                  <a:t>Initial site</a:t>
+                </a:r>
+                <a:endParaRPr lang="zh-CN" altLang="en-US" sz="1100" dirty="0"/>
+              </a:p>
+            </p:txBody>
+          </p:sp>
+        </p:grpSp>
+      </p:grpSp>
+      <p:cxnSp>
+        <p:nvCxnSpPr>
+          <p:cNvPr id="48" name="直接箭头连接符 47">
+            <a:extLst>
+              <a:ext uri="{FF2B5EF4-FFF2-40B4-BE49-F238E27FC236}">
+                <a16:creationId xmlns:a16="http://schemas.microsoft.com/office/drawing/2014/main" id="{DE6BED83-8C83-479C-B173-7996A789B0B3}"/>
+              </a:ext>
+            </a:extLst>
+          </p:cNvPr>
+          <p:cNvCxnSpPr>
+            <a:cxnSpLocks/>
+          </p:cNvCxnSpPr>
+          <p:nvPr/>
+        </p:nvCxnSpPr>
+        <p:spPr>
+          <a:xfrm flipH="1" flipV="1">
+            <a:off x="1296141" y="4935984"/>
+            <a:ext cx="144000" cy="1331651"/>
+          </a:xfrm>
+          <a:prstGeom prst="straightConnector1">
+            <a:avLst/>
+          </a:prstGeom>
+          <a:ln w="25400">
+            <a:tailEnd type="triangle"/>
+          </a:ln>
+        </p:spPr>
+        <p:style>
+          <a:lnRef idx="1">
+            <a:schemeClr val="accent4"/>
+          </a:lnRef>
+          <a:fillRef idx="0">
+            <a:schemeClr val="accent4"/>
+          </a:fillRef>
+          <a:effectRef idx="0">
+            <a:schemeClr val="accent4"/>
+          </a:effectRef>
+          <a:fontRef idx="minor">
+            <a:schemeClr val="tx1"/>
+          </a:fontRef>
+        </p:style>
+      </p:cxnSp>
+      <p:sp>
+        <p:nvSpPr>
+          <p:cNvPr id="50" name="文本框 49">
+            <a:extLst>
+              <a:ext uri="{FF2B5EF4-FFF2-40B4-BE49-F238E27FC236}">
+                <a16:creationId xmlns:a16="http://schemas.microsoft.com/office/drawing/2014/main" id="{7189B165-5CAF-406E-87F6-CFB4D0ADFAE4}"/>
+              </a:ext>
+            </a:extLst>
+          </p:cNvPr>
+          <p:cNvSpPr txBox="1"/>
+          <p:nvPr/>
+        </p:nvSpPr>
+        <p:spPr>
+          <a:xfrm>
+            <a:off x="1173018" y="6236005"/>
+            <a:ext cx="1043709" cy="276999"/>
+          </a:xfrm>
+          <a:prstGeom prst="rect">
+            <a:avLst/>
+          </a:prstGeom>
+          <a:noFill/>
+        </p:spPr>
+        <p:txBody>
+          <a:bodyPr wrap="square" rtlCol="0">
+            <a:spAutoFit/>
+          </a:bodyPr>
+          <a:lstStyle/>
+          <a:p>
+            <a:r>
+              <a:rPr lang="en-US" altLang="zh-CN" sz="1200" dirty="0"/>
+              <a:t>First Site</a:t>
+            </a:r>
+            <a:endParaRPr lang="zh-CN" altLang="en-US" sz="1200" dirty="0"/>
+          </a:p>
+        </p:txBody>
+      </p:sp>
+      <p:sp>
+        <p:nvSpPr>
+          <p:cNvPr id="2" name="文本框 1">
+            <a:extLst>
+              <a:ext uri="{FF2B5EF4-FFF2-40B4-BE49-F238E27FC236}">
+                <a16:creationId xmlns:a16="http://schemas.microsoft.com/office/drawing/2014/main" id="{72874DE5-827D-4F78-8A01-A8536C3F1A93}"/>
+              </a:ext>
+            </a:extLst>
+          </p:cNvPr>
+          <p:cNvSpPr txBox="1"/>
+          <p:nvPr/>
+        </p:nvSpPr>
+        <p:spPr>
+          <a:xfrm>
+            <a:off x="6442969" y="1391872"/>
+            <a:ext cx="5595703" cy="1477328"/>
+          </a:xfrm>
+          <a:prstGeom prst="rect">
+            <a:avLst/>
+          </a:prstGeom>
+          <a:noFill/>
+        </p:spPr>
+        <p:txBody>
+          <a:bodyPr wrap="square" rtlCol="0">
+            <a:spAutoFit/>
+          </a:bodyPr>
+          <a:lstStyle/>
+          <a:p>
+            <a:pPr algn="just"/>
+            <a:r>
+              <a:rPr lang="en-US" altLang="zh-CN" sz="1800" b="1" i="0" u="none" strike="noStrike" baseline="0" dirty="0">
+                <a:solidFill>
+                  <a:srgbClr val="000000"/>
+                </a:solidFill>
+                <a:latin typeface="Arial" panose="020B0604020202020204" pitchFamily="34" charset="0"/>
+              </a:rPr>
+              <a:t>In the k-means algorithm, we can start with (</a:t>
+            </a:r>
+            <a:r>
+              <a:rPr lang="en-US" altLang="zh-CN" sz="1800" b="1" i="0" u="none" strike="noStrike" baseline="0" dirty="0" err="1">
+                <a:solidFill>
+                  <a:srgbClr val="000000"/>
+                </a:solidFill>
+                <a:latin typeface="Arial" panose="020B0604020202020204" pitchFamily="34" charset="0"/>
+              </a:rPr>
+              <a:t>i</a:t>
+            </a:r>
+            <a:r>
+              <a:rPr lang="en-US" altLang="zh-CN" sz="1800" b="1" i="0" u="none" strike="noStrike" baseline="0" dirty="0">
+                <a:solidFill>
+                  <a:srgbClr val="000000"/>
+                </a:solidFill>
+                <a:latin typeface="Arial" panose="020B0604020202020204" pitchFamily="34" charset="0"/>
+              </a:rPr>
+              <a:t>) using an initial partition {</a:t>
+            </a:r>
+            <a:r>
+              <a:rPr lang="en-US" altLang="zh-CN" sz="1800" b="1" i="1" u="none" strike="noStrike" baseline="0" dirty="0">
+                <a:solidFill>
+                  <a:srgbClr val="000000"/>
+                </a:solidFill>
+                <a:latin typeface="Arial" panose="020B0604020202020204" pitchFamily="34" charset="0"/>
+              </a:rPr>
+              <a:t>S</a:t>
+            </a:r>
+            <a:r>
+              <a:rPr lang="en-US" altLang="zh-CN" sz="1800" b="1" i="0" u="none" strike="noStrike" baseline="0" dirty="0">
+                <a:solidFill>
+                  <a:srgbClr val="000000"/>
+                </a:solidFill>
+                <a:latin typeface="Arial" panose="020B0604020202020204" pitchFamily="34" charset="0"/>
+              </a:rPr>
+              <a:t>1, </a:t>
+            </a:r>
+            <a:r>
+              <a:rPr lang="en-US" altLang="zh-CN" sz="1800" b="1" i="1" u="none" strike="noStrike" baseline="0" dirty="0">
+                <a:solidFill>
+                  <a:srgbClr val="000000"/>
+                </a:solidFill>
+                <a:latin typeface="Arial" panose="020B0604020202020204" pitchFamily="34" charset="0"/>
+              </a:rPr>
+              <a:t>S</a:t>
+            </a:r>
+            <a:r>
+              <a:rPr lang="en-US" altLang="zh-CN" sz="1800" b="1" i="0" u="none" strike="noStrike" baseline="0" dirty="0">
+                <a:solidFill>
+                  <a:srgbClr val="000000"/>
+                </a:solidFill>
+                <a:latin typeface="Arial" panose="020B0604020202020204" pitchFamily="34" charset="0"/>
+              </a:rPr>
+              <a:t>2, ..., </a:t>
+            </a:r>
+            <a:r>
+              <a:rPr lang="en-US" altLang="zh-CN" sz="1800" b="1" i="1" u="none" strike="noStrike" baseline="0" dirty="0" err="1">
+                <a:solidFill>
+                  <a:srgbClr val="000000"/>
+                </a:solidFill>
+                <a:latin typeface="Arial" panose="020B0604020202020204" pitchFamily="34" charset="0"/>
+              </a:rPr>
+              <a:t>Sk</a:t>
+            </a:r>
+            <a:r>
+              <a:rPr lang="en-US" altLang="zh-CN" sz="1800" b="1" i="0" u="none" strike="noStrike" baseline="0" dirty="0">
+                <a:solidFill>
+                  <a:srgbClr val="000000"/>
+                </a:solidFill>
+                <a:latin typeface="Arial" panose="020B0604020202020204" pitchFamily="34" charset="0"/>
+              </a:rPr>
+              <a:t>} or with (ii) using initial centers {</a:t>
+            </a:r>
+            <a:r>
+              <a:rPr lang="en-US" altLang="zh-CN" sz="1800" b="1" i="1" u="none" strike="noStrike" baseline="0" dirty="0">
+                <a:solidFill>
+                  <a:srgbClr val="000000"/>
+                </a:solidFill>
+                <a:latin typeface="Arial" panose="020B0604020202020204" pitchFamily="34" charset="0"/>
+              </a:rPr>
+              <a:t>c</a:t>
+            </a:r>
+            <a:r>
+              <a:rPr lang="en-US" altLang="zh-CN" sz="1800" b="1" i="0" u="none" strike="noStrike" baseline="0" dirty="0">
+                <a:solidFill>
+                  <a:srgbClr val="000000"/>
+                </a:solidFill>
+                <a:latin typeface="Arial" panose="020B0604020202020204" pitchFamily="34" charset="0"/>
+              </a:rPr>
+              <a:t>1, </a:t>
+            </a:r>
+            <a:r>
+              <a:rPr lang="en-US" altLang="zh-CN" sz="1800" b="1" i="1" u="none" strike="noStrike" baseline="0" dirty="0">
+                <a:solidFill>
+                  <a:srgbClr val="000000"/>
+                </a:solidFill>
+                <a:latin typeface="Arial" panose="020B0604020202020204" pitchFamily="34" charset="0"/>
+              </a:rPr>
+              <a:t>c</a:t>
+            </a:r>
+            <a:r>
+              <a:rPr lang="en-US" altLang="zh-CN" sz="1800" b="1" i="0" u="none" strike="noStrike" baseline="0" dirty="0">
+                <a:solidFill>
+                  <a:srgbClr val="000000"/>
+                </a:solidFill>
+                <a:latin typeface="Arial" panose="020B0604020202020204" pitchFamily="34" charset="0"/>
+              </a:rPr>
+              <a:t>2, ..., </a:t>
+            </a:r>
+            <a:r>
+              <a:rPr lang="en-US" altLang="zh-CN" sz="1800" b="1" i="1" u="none" strike="noStrike" baseline="0" dirty="0">
+                <a:solidFill>
+                  <a:srgbClr val="000000"/>
+                </a:solidFill>
+                <a:latin typeface="Arial" panose="020B0604020202020204" pitchFamily="34" charset="0"/>
+              </a:rPr>
+              <a:t>ck</a:t>
+            </a:r>
+            <a:r>
+              <a:rPr lang="en-US" altLang="zh-CN" sz="1800" b="1" i="0" u="none" strike="noStrike" baseline="0" dirty="0">
+                <a:solidFill>
+                  <a:srgbClr val="000000"/>
+                </a:solidFill>
+                <a:latin typeface="Arial" panose="020B0604020202020204" pitchFamily="34" charset="0"/>
+              </a:rPr>
+              <a:t>}. Design a good initialization method for k-means algorithm for (</a:t>
+            </a:r>
+            <a:r>
+              <a:rPr lang="en-US" altLang="zh-CN" sz="1800" b="1" i="0" u="none" strike="noStrike" baseline="0" dirty="0" err="1">
+                <a:solidFill>
+                  <a:srgbClr val="000000"/>
+                </a:solidFill>
+                <a:latin typeface="Arial" panose="020B0604020202020204" pitchFamily="34" charset="0"/>
+              </a:rPr>
+              <a:t>i</a:t>
+            </a:r>
+            <a:r>
+              <a:rPr lang="en-US" altLang="zh-CN" sz="1800" b="1" i="0" u="none" strike="noStrike" baseline="0" dirty="0">
+                <a:solidFill>
+                  <a:srgbClr val="000000"/>
+                </a:solidFill>
+                <a:latin typeface="Arial" panose="020B0604020202020204" pitchFamily="34" charset="0"/>
+              </a:rPr>
+              <a:t>) and also for (ii).</a:t>
+            </a:r>
+            <a:endParaRPr lang="zh-CN" altLang="en-US" dirty="0"/>
+          </a:p>
+        </p:txBody>
+      </p:sp>
+      <p:sp>
+        <p:nvSpPr>
+          <p:cNvPr id="3" name="文本框 2">
+            <a:extLst>
+              <a:ext uri="{FF2B5EF4-FFF2-40B4-BE49-F238E27FC236}">
+                <a16:creationId xmlns:a16="http://schemas.microsoft.com/office/drawing/2014/main" id="{F6A2BE99-450F-4A77-8CF8-63F62DE16F78}"/>
+              </a:ext>
+            </a:extLst>
+          </p:cNvPr>
+          <p:cNvSpPr txBox="1"/>
+          <p:nvPr/>
+        </p:nvSpPr>
+        <p:spPr>
+          <a:xfrm>
+            <a:off x="7287089" y="3244334"/>
+            <a:ext cx="5595703" cy="369332"/>
+          </a:xfrm>
+          <a:prstGeom prst="rect">
+            <a:avLst/>
+          </a:prstGeom>
+          <a:noFill/>
+        </p:spPr>
+        <p:txBody>
+          <a:bodyPr wrap="square" rtlCol="0">
+            <a:spAutoFit/>
+          </a:bodyPr>
+          <a:lstStyle/>
+          <a:p>
+            <a:pPr algn="just"/>
+            <a:r>
+              <a:rPr lang="en-US" altLang="zh-CN" sz="1800" b="1" i="0" u="none" strike="noStrike" baseline="0" dirty="0">
+                <a:solidFill>
+                  <a:srgbClr val="000000"/>
+                </a:solidFill>
+                <a:latin typeface="Arial" panose="020B0604020202020204" pitchFamily="34" charset="0"/>
+              </a:rPr>
+              <a:t>Greedy-Center-Selection</a:t>
+            </a:r>
+            <a:endParaRPr lang="zh-CN" altLang="en-US" dirty="0"/>
+          </a:p>
+        </p:txBody>
+      </p:sp>
+      <mc:AlternateContent xmlns:mc="http://schemas.openxmlformats.org/markup-compatibility/2006">
+        <mc:Choice xmlns:a14="http://schemas.microsoft.com/office/drawing/2010/main" Requires="a14">
+          <p:sp>
+            <p:nvSpPr>
+              <p:cNvPr id="4" name="文本框 3">
+                <a:extLst>
+                  <a:ext uri="{FF2B5EF4-FFF2-40B4-BE49-F238E27FC236}">
+                    <a16:creationId xmlns:a16="http://schemas.microsoft.com/office/drawing/2014/main" id="{01468928-9150-4892-940F-973DCAD49EE8}"/>
+                  </a:ext>
+                </a:extLst>
+              </p:cNvPr>
+              <p:cNvSpPr txBox="1"/>
+              <p:nvPr/>
+            </p:nvSpPr>
+            <p:spPr>
+              <a:xfrm>
+                <a:off x="6760076" y="3642064"/>
+                <a:ext cx="4441054" cy="2031325"/>
+              </a:xfrm>
+              <a:prstGeom prst="rect">
+                <a:avLst/>
+              </a:prstGeom>
+              <a:noFill/>
+              <a:ln>
+                <a:solidFill>
+                  <a:schemeClr val="tx1"/>
+                </a:solidFill>
+              </a:ln>
+            </p:spPr>
+            <p:txBody>
+              <a:bodyPr wrap="square" rtlCol="0">
+                <a:spAutoFit/>
+              </a:bodyPr>
+              <a:lstStyle/>
+              <a:p>
+                <a:r>
+                  <a:rPr lang="en-US" altLang="zh-CN" sz="1400" dirty="0"/>
+                  <a:t>procedure CENTER-SELECT</a:t>
+                </a:r>
+              </a:p>
+              <a:p>
+                <a:r>
+                  <a:rPr lang="en-US" altLang="zh-CN" sz="1400" dirty="0"/>
+                  <a:t>        Assume </a:t>
+                </a:r>
+                <a14:m>
+                  <m:oMath xmlns:m="http://schemas.openxmlformats.org/officeDocument/2006/math">
+                    <m:r>
+                      <a:rPr lang="en-US" altLang="zh-CN" sz="1400" b="0" i="1" smtClean="0">
+                        <a:latin typeface="Cambria Math" panose="02040503050406030204" pitchFamily="18" charset="0"/>
+                      </a:rPr>
+                      <m:t>𝑘</m:t>
+                    </m:r>
+                    <m:r>
+                      <a:rPr lang="en-US" altLang="zh-CN" sz="1400" b="0" i="1" smtClean="0">
+                        <a:latin typeface="Cambria Math" panose="02040503050406030204" pitchFamily="18" charset="0"/>
+                      </a:rPr>
+                      <m:t>≤</m:t>
+                    </m:r>
+                    <m:d>
+                      <m:dPr>
+                        <m:begChr m:val="|"/>
+                        <m:endChr m:val="|"/>
+                        <m:ctrlPr>
+                          <a:rPr lang="en-US" altLang="zh-CN" sz="1400" b="0" i="1" smtClean="0">
+                            <a:latin typeface="Cambria Math" panose="02040503050406030204" pitchFamily="18" charset="0"/>
+                          </a:rPr>
+                        </m:ctrlPr>
+                      </m:dPr>
+                      <m:e>
+                        <m:r>
+                          <a:rPr lang="en-US" altLang="zh-CN" sz="1400" b="0" i="1" smtClean="0">
+                            <a:latin typeface="Cambria Math" panose="02040503050406030204" pitchFamily="18" charset="0"/>
+                          </a:rPr>
+                          <m:t>𝑆</m:t>
+                        </m:r>
+                      </m:e>
+                    </m:d>
+                  </m:oMath>
+                </a14:m>
+                <a:r>
+                  <a:rPr lang="zh-CN" altLang="en-US" sz="1400" dirty="0"/>
+                  <a:t> </a:t>
+                </a:r>
+                <a:r>
+                  <a:rPr lang="en-US" altLang="zh-CN" sz="1400" dirty="0"/>
+                  <a:t>(else define C=S)</a:t>
+                </a:r>
+              </a:p>
+              <a:p>
+                <a:r>
+                  <a:rPr lang="en-US" altLang="zh-CN" sz="1400" dirty="0"/>
+                  <a:t>        Select any site </a:t>
+                </a:r>
+                <a14:m>
+                  <m:oMath xmlns:m="http://schemas.openxmlformats.org/officeDocument/2006/math">
+                    <m:r>
+                      <a:rPr lang="en-US" altLang="zh-CN" sz="1400" b="0" i="1" smtClean="0">
+                        <a:latin typeface="Cambria Math" panose="02040503050406030204" pitchFamily="18" charset="0"/>
+                      </a:rPr>
+                      <m:t>𝑠</m:t>
+                    </m:r>
+                  </m:oMath>
+                </a14:m>
+                <a:r>
+                  <a:rPr lang="zh-CN" altLang="en-US" sz="1400" dirty="0"/>
+                  <a:t> </a:t>
+                </a:r>
+                <a:r>
+                  <a:rPr lang="en-US" altLang="zh-CN" sz="1400" dirty="0"/>
+                  <a:t>and let </a:t>
+                </a:r>
+                <a14:m>
+                  <m:oMath xmlns:m="http://schemas.openxmlformats.org/officeDocument/2006/math">
+                    <m:r>
+                      <a:rPr lang="en-US" altLang="zh-CN" sz="1400" b="0" i="1" smtClean="0">
+                        <a:latin typeface="Cambria Math" panose="02040503050406030204" pitchFamily="18" charset="0"/>
+                      </a:rPr>
+                      <m:t>𝐶</m:t>
+                    </m:r>
+                    <m:r>
+                      <a:rPr lang="en-US" altLang="zh-CN" sz="1400" b="0" i="1" smtClean="0">
+                        <a:latin typeface="Cambria Math" panose="02040503050406030204" pitchFamily="18" charset="0"/>
+                      </a:rPr>
+                      <m:t>={</m:t>
+                    </m:r>
+                    <m:r>
+                      <a:rPr lang="en-US" altLang="zh-CN" sz="1400" b="0" i="1" smtClean="0">
+                        <a:latin typeface="Cambria Math" panose="02040503050406030204" pitchFamily="18" charset="0"/>
+                      </a:rPr>
+                      <m:t>𝑠</m:t>
+                    </m:r>
+                    <m:r>
+                      <a:rPr lang="en-US" altLang="zh-CN" sz="1400" b="0" i="1" smtClean="0">
+                        <a:latin typeface="Cambria Math" panose="02040503050406030204" pitchFamily="18" charset="0"/>
+                      </a:rPr>
+                      <m:t>}</m:t>
+                    </m:r>
+                  </m:oMath>
+                </a14:m>
+                <a:endParaRPr lang="en-US" altLang="zh-CN" sz="1400" dirty="0"/>
+              </a:p>
+              <a:p>
+                <a:r>
+                  <a:rPr lang="en-US" altLang="zh-CN" sz="1400" dirty="0"/>
+                  <a:t>        while </a:t>
+                </a:r>
+                <a14:m>
+                  <m:oMath xmlns:m="http://schemas.openxmlformats.org/officeDocument/2006/math">
+                    <m:d>
+                      <m:dPr>
+                        <m:begChr m:val="|"/>
+                        <m:endChr m:val="|"/>
+                        <m:ctrlPr>
+                          <a:rPr lang="en-US" altLang="zh-CN" sz="1400" b="0" i="1" smtClean="0">
+                            <a:latin typeface="Cambria Math" panose="02040503050406030204" pitchFamily="18" charset="0"/>
+                          </a:rPr>
+                        </m:ctrlPr>
+                      </m:dPr>
+                      <m:e>
+                        <m:r>
+                          <a:rPr lang="en-US" altLang="zh-CN" sz="1400" b="0" i="1" smtClean="0">
+                            <a:latin typeface="Cambria Math" panose="02040503050406030204" pitchFamily="18" charset="0"/>
+                          </a:rPr>
+                          <m:t>𝐶</m:t>
+                        </m:r>
+                      </m:e>
+                    </m:d>
+                    <m:r>
+                      <a:rPr lang="en-US" altLang="zh-CN" sz="1400" b="0" i="1" smtClean="0">
+                        <a:latin typeface="Cambria Math" panose="02040503050406030204" pitchFamily="18" charset="0"/>
+                      </a:rPr>
+                      <m:t>&lt;</m:t>
+                    </m:r>
+                    <m:r>
+                      <a:rPr lang="en-US" altLang="zh-CN" sz="1400" b="0" i="1" smtClean="0">
+                        <a:latin typeface="Cambria Math" panose="02040503050406030204" pitchFamily="18" charset="0"/>
+                      </a:rPr>
+                      <m:t>𝑘</m:t>
+                    </m:r>
+                  </m:oMath>
+                </a14:m>
+                <a:r>
+                  <a:rPr lang="zh-CN" altLang="en-US" sz="1400" dirty="0"/>
+                  <a:t> </a:t>
+                </a:r>
+                <a:r>
+                  <a:rPr lang="en-US" altLang="zh-CN" sz="1400" dirty="0"/>
+                  <a:t>do</a:t>
+                </a:r>
+              </a:p>
+              <a:p>
+                <a:r>
+                  <a:rPr lang="en-US" altLang="zh-CN" sz="1400" dirty="0"/>
+                  <a:t>	Select a site </a:t>
+                </a:r>
+                <a14:m>
+                  <m:oMath xmlns:m="http://schemas.openxmlformats.org/officeDocument/2006/math">
+                    <m:r>
+                      <a:rPr lang="en-US" altLang="zh-CN" sz="1400" b="0" i="1" smtClean="0">
+                        <a:latin typeface="Cambria Math" panose="02040503050406030204" pitchFamily="18" charset="0"/>
+                      </a:rPr>
+                      <m:t>𝑠</m:t>
+                    </m:r>
+                    <m:r>
+                      <a:rPr lang="en-US" altLang="zh-CN" sz="1400" b="0" i="1" smtClean="0">
+                        <a:latin typeface="Cambria Math" panose="02040503050406030204" pitchFamily="18" charset="0"/>
+                        <a:ea typeface="Cambria Math" panose="02040503050406030204" pitchFamily="18" charset="0"/>
+                      </a:rPr>
+                      <m:t>∈</m:t>
+                    </m:r>
+                    <m:r>
+                      <a:rPr lang="en-US" altLang="zh-CN" sz="1400" b="0" i="1" smtClean="0">
+                        <a:latin typeface="Cambria Math" panose="02040503050406030204" pitchFamily="18" charset="0"/>
+                        <a:ea typeface="Cambria Math" panose="02040503050406030204" pitchFamily="18" charset="0"/>
+                      </a:rPr>
+                      <m:t>𝑆</m:t>
+                    </m:r>
+                  </m:oMath>
+                </a14:m>
+                <a:r>
+                  <a:rPr lang="zh-CN" altLang="en-US" sz="1400" dirty="0"/>
+                  <a:t> </a:t>
+                </a:r>
+                <a:r>
+                  <a:rPr lang="en-US" altLang="zh-CN" sz="1400" dirty="0"/>
+                  <a:t>that maximizes </a:t>
+                </a:r>
+                <a:r>
+                  <a:rPr lang="en-US" altLang="zh-CN" sz="1400" dirty="0" err="1"/>
+                  <a:t>dist</a:t>
+                </a:r>
+                <a14:m>
+                  <m:oMath xmlns:m="http://schemas.openxmlformats.org/officeDocument/2006/math">
+                    <m:r>
+                      <a:rPr lang="en-US" altLang="zh-CN" sz="1400" b="0" i="1" smtClean="0">
+                        <a:latin typeface="Cambria Math" panose="02040503050406030204" pitchFamily="18" charset="0"/>
+                      </a:rPr>
+                      <m:t>(</m:t>
+                    </m:r>
+                    <m:r>
+                      <a:rPr lang="en-US" altLang="zh-CN" sz="1400" b="0" i="1" smtClean="0">
+                        <a:latin typeface="Cambria Math" panose="02040503050406030204" pitchFamily="18" charset="0"/>
+                      </a:rPr>
+                      <m:t>𝑠</m:t>
+                    </m:r>
+                    <m:r>
+                      <a:rPr lang="en-US" altLang="zh-CN" sz="1400" b="0" i="1" smtClean="0">
+                        <a:latin typeface="Cambria Math" panose="02040503050406030204" pitchFamily="18" charset="0"/>
+                      </a:rPr>
+                      <m:t>,</m:t>
+                    </m:r>
+                    <m:r>
+                      <a:rPr lang="en-US" altLang="zh-CN" sz="1400" b="0" i="1" smtClean="0">
+                        <a:latin typeface="Cambria Math" panose="02040503050406030204" pitchFamily="18" charset="0"/>
+                      </a:rPr>
+                      <m:t>𝐶</m:t>
+                    </m:r>
+                    <m:r>
+                      <a:rPr lang="en-US" altLang="zh-CN" sz="1400" b="0" i="1" smtClean="0">
+                        <a:latin typeface="Cambria Math" panose="02040503050406030204" pitchFamily="18" charset="0"/>
+                      </a:rPr>
+                      <m:t>)</m:t>
+                    </m:r>
+                  </m:oMath>
+                </a14:m>
+                <a:endParaRPr lang="en-US" altLang="zh-CN" sz="1400" dirty="0"/>
+              </a:p>
+              <a:p>
+                <a:r>
+                  <a:rPr lang="en-US" altLang="zh-CN" sz="1400" dirty="0"/>
+                  <a:t>	Add s to C</a:t>
+                </a:r>
+              </a:p>
+              <a:p>
+                <a:r>
+                  <a:rPr lang="en-US" altLang="zh-CN" sz="1400" dirty="0"/>
+                  <a:t>        end while</a:t>
+                </a:r>
+              </a:p>
+              <a:p>
+                <a:r>
+                  <a:rPr lang="en-US" altLang="zh-CN" sz="1400" dirty="0"/>
+                  <a:t>        Return C as the selected set of sites</a:t>
+                </a:r>
+              </a:p>
+              <a:p>
+                <a:r>
+                  <a:rPr lang="en-US" altLang="zh-CN" sz="1400" dirty="0"/>
+                  <a:t>End procedure</a:t>
+                </a:r>
+              </a:p>
+            </p:txBody>
+          </p:sp>
+        </mc:Choice>
+        <mc:Fallback>
+          <p:sp>
+            <p:nvSpPr>
+              <p:cNvPr id="4" name="文本框 3">
+                <a:extLst>
+                  <a:ext uri="{FF2B5EF4-FFF2-40B4-BE49-F238E27FC236}">
+                    <a16:creationId xmlns:a16="http://schemas.microsoft.com/office/drawing/2014/main" id="{01468928-9150-4892-940F-973DCAD49EE8}"/>
+                  </a:ext>
+                </a:extLst>
+              </p:cNvPr>
+              <p:cNvSpPr txBox="1">
+                <a:spLocks noRot="1" noChangeAspect="1" noMove="1" noResize="1" noEditPoints="1" noAdjustHandles="1" noChangeArrowheads="1" noChangeShapeType="1" noTextEdit="1"/>
+              </p:cNvSpPr>
+              <p:nvPr/>
+            </p:nvSpPr>
+            <p:spPr>
+              <a:xfrm>
+                <a:off x="6760076" y="3642064"/>
+                <a:ext cx="4441054" cy="2031325"/>
+              </a:xfrm>
+              <a:prstGeom prst="rect">
+                <a:avLst/>
+              </a:prstGeom>
+              <a:blipFill>
+                <a:blip r:embed="rId3"/>
+                <a:stretch>
+                  <a:fillRect l="-274" b="-1786"/>
                 </a:stretch>
               </a:blipFill>
               <a:ln>
@@ -5199,7 +5666,7 @@
 </p:sld>
 </file>
 
-<file path=ppt/slides/slide5.xml><?xml version="1.0" encoding="utf-8"?>
+<file path=ppt/slides/slide4.xml><?xml version="1.0" encoding="utf-8"?>
 <p:sld xmlns:a="http://schemas.openxmlformats.org/drawingml/2006/main" xmlns:r="http://schemas.openxmlformats.org/officeDocument/2006/relationships" xmlns:p="http://schemas.openxmlformats.org/presentationml/2006/main">
   <p:cSld>
     <p:spTree>
@@ -5790,8 +6257,8 @@
           </a:p>
         </p:txBody>
       </p:sp>
-      <mc:AlternateContent xmlns:mc="http://schemas.openxmlformats.org/markup-compatibility/2006">
-        <mc:Choice xmlns:a14="http://schemas.microsoft.com/office/drawing/2010/main" Requires="a14">
+      <mc:AlternateContent xmlns:mc="http://schemas.openxmlformats.org/markup-compatibility/2006" xmlns:a14="http://schemas.microsoft.com/office/drawing/2010/main">
+        <mc:Choice Requires="a14">
           <p:sp>
             <p:nvSpPr>
               <p:cNvPr id="16" name="文本框 15">
@@ -5932,7 +6399,7 @@
             </p:txBody>
           </p:sp>
         </mc:Choice>
-        <mc:Fallback>
+        <mc:Fallback xmlns="">
           <p:sp>
             <p:nvSpPr>
               <p:cNvPr id="16" name="文本框 15">
@@ -5990,7 +6457,7 @@
 </p:sld>
 </file>
 
-<file path=ppt/slides/slide6.xml><?xml version="1.0" encoding="utf-8"?>
+<file path=ppt/slides/slide5.xml><?xml version="1.0" encoding="utf-8"?>
 <p:sld xmlns:a="http://schemas.openxmlformats.org/drawingml/2006/main" xmlns:r="http://schemas.openxmlformats.org/officeDocument/2006/relationships" xmlns:p="http://schemas.openxmlformats.org/presentationml/2006/main">
   <p:cSld>
     <p:spTree>
@@ -6445,8 +6912,8 @@
           </a:p>
         </p:txBody>
       </p:sp>
-      <mc:AlternateContent xmlns:mc="http://schemas.openxmlformats.org/markup-compatibility/2006">
-        <mc:Choice xmlns:a14="http://schemas.microsoft.com/office/drawing/2010/main" Requires="a14">
+      <mc:AlternateContent xmlns:mc="http://schemas.openxmlformats.org/markup-compatibility/2006" xmlns:a14="http://schemas.microsoft.com/office/drawing/2010/main">
+        <mc:Choice Requires="a14">
           <p:sp>
             <p:nvSpPr>
               <p:cNvPr id="46" name="文本框 45">
@@ -6674,7 +7141,7 @@
             </p:txBody>
           </p:sp>
         </mc:Choice>
-        <mc:Fallback>
+        <mc:Fallback xmlns="">
           <p:sp>
             <p:nvSpPr>
               <p:cNvPr id="46" name="文本框 45">
@@ -6821,7 +7288,7 @@
 </p:sld>
 </file>
 
-<file path=ppt/slides/slide7.xml><?xml version="1.0" encoding="utf-8"?>
+<file path=ppt/slides/slide6.xml><?xml version="1.0" encoding="utf-8"?>
 <p:sld xmlns:a="http://schemas.openxmlformats.org/drawingml/2006/main" xmlns:r="http://schemas.openxmlformats.org/officeDocument/2006/relationships" xmlns:p="http://schemas.openxmlformats.org/presentationml/2006/main">
   <p:cSld>
     <p:spTree>
@@ -7666,8 +8133,8 @@
           </a:p>
         </p:txBody>
       </p:sp>
-      <mc:AlternateContent xmlns:mc="http://schemas.openxmlformats.org/markup-compatibility/2006">
-        <mc:Choice xmlns:a14="http://schemas.microsoft.com/office/drawing/2010/main" Requires="a14">
+      <mc:AlternateContent xmlns:mc="http://schemas.openxmlformats.org/markup-compatibility/2006" xmlns:a14="http://schemas.microsoft.com/office/drawing/2010/main">
+        <mc:Choice Requires="a14">
           <p:sp>
             <p:nvSpPr>
               <p:cNvPr id="24" name="文本框 23">
@@ -7808,7 +8275,7 @@
             </p:txBody>
           </p:sp>
         </mc:Choice>
-        <mc:Fallback>
+        <mc:Fallback xmlns="">
           <p:sp>
             <p:nvSpPr>
               <p:cNvPr id="24" name="文本框 23">
@@ -7866,7 +8333,1342 @@
 </p:sld>
 </file>
 
+<file path=ppt/slides/slide7.xml><?xml version="1.0" encoding="utf-8"?>
+<p:sld xmlns:a="http://schemas.openxmlformats.org/drawingml/2006/main" xmlns:r="http://schemas.openxmlformats.org/officeDocument/2006/relationships" xmlns:p="http://schemas.openxmlformats.org/presentationml/2006/main">
+  <p:cSld>
+    <p:spTree>
+      <p:nvGrpSpPr>
+        <p:cNvPr id="1" name=""/>
+        <p:cNvGrpSpPr/>
+        <p:nvPr/>
+      </p:nvGrpSpPr>
+      <p:grpSpPr>
+        <a:xfrm>
+          <a:off x="0" y="0"/>
+          <a:ext cx="0" cy="0"/>
+          <a:chOff x="0" y="0"/>
+          <a:chExt cx="0" cy="0"/>
+        </a:xfrm>
+      </p:grpSpPr>
+      <p:pic>
+        <p:nvPicPr>
+          <p:cNvPr id="5" name="图片 4">
+            <a:extLst>
+              <a:ext uri="{FF2B5EF4-FFF2-40B4-BE49-F238E27FC236}">
+                <a16:creationId xmlns:a16="http://schemas.microsoft.com/office/drawing/2014/main" id="{97DD22D9-0226-4D33-8D57-061D3135151E}"/>
+              </a:ext>
+            </a:extLst>
+          </p:cNvPr>
+          <p:cNvPicPr>
+            <a:picLocks noChangeAspect="1"/>
+          </p:cNvPicPr>
+          <p:nvPr/>
+        </p:nvPicPr>
+        <p:blipFill>
+          <a:blip r:embed="rId2"/>
+          <a:stretch>
+            <a:fillRect/>
+          </a:stretch>
+        </p:blipFill>
+        <p:spPr>
+          <a:xfrm>
+            <a:off x="628963" y="1395722"/>
+            <a:ext cx="5009524" cy="4961905"/>
+          </a:xfrm>
+          <a:prstGeom prst="rect">
+            <a:avLst/>
+          </a:prstGeom>
+        </p:spPr>
+      </p:pic>
+      <p:sp>
+        <p:nvSpPr>
+          <p:cNvPr id="7" name="文本框 6">
+            <a:extLst>
+              <a:ext uri="{FF2B5EF4-FFF2-40B4-BE49-F238E27FC236}">
+                <a16:creationId xmlns:a16="http://schemas.microsoft.com/office/drawing/2014/main" id="{DBEE0F6B-D7AE-4471-A385-F21B3DA7AD40}"/>
+              </a:ext>
+            </a:extLst>
+          </p:cNvPr>
+          <p:cNvSpPr txBox="1"/>
+          <p:nvPr/>
+        </p:nvSpPr>
+        <p:spPr>
+          <a:xfrm>
+            <a:off x="529424" y="679885"/>
+            <a:ext cx="6094520" cy="400110"/>
+          </a:xfrm>
+          <a:prstGeom prst="rect">
+            <a:avLst/>
+          </a:prstGeom>
+          <a:noFill/>
+        </p:spPr>
+        <p:txBody>
+          <a:bodyPr wrap="square">
+            <a:spAutoFit/>
+          </a:bodyPr>
+          <a:lstStyle/>
+          <a:p>
+            <a:r>
+              <a:rPr lang="en-US" altLang="zh-CN" sz="2000" b="1" i="0" u="none" strike="noStrike" baseline="0" dirty="0">
+                <a:solidFill>
+                  <a:srgbClr val="000000"/>
+                </a:solidFill>
+                <a:latin typeface="Arial" panose="020B0604020202020204" pitchFamily="34" charset="0"/>
+              </a:rPr>
+              <a:t>initial </a:t>
+            </a:r>
+            <a:r>
+              <a:rPr lang="en-US" altLang="zh-CN" sz="1800" b="1" i="0" u="none" strike="noStrike" baseline="0" dirty="0">
+                <a:solidFill>
+                  <a:srgbClr val="000000"/>
+                </a:solidFill>
+                <a:latin typeface="Arial" panose="020B0604020202020204" pitchFamily="34" charset="0"/>
+              </a:rPr>
+              <a:t>partition</a:t>
+            </a:r>
+            <a:r>
+              <a:rPr lang="en-US" altLang="zh-CN" sz="2000" b="1" i="0" u="none" strike="noStrike" baseline="0" dirty="0">
+                <a:solidFill>
+                  <a:srgbClr val="000000"/>
+                </a:solidFill>
+                <a:latin typeface="Arial" panose="020B0604020202020204" pitchFamily="34" charset="0"/>
+              </a:rPr>
+              <a:t> selection algorithm </a:t>
+            </a:r>
+            <a:endParaRPr lang="zh-CN" altLang="en-US" sz="2000" dirty="0"/>
+          </a:p>
+        </p:txBody>
+      </p:sp>
+      <p:sp>
+        <p:nvSpPr>
+          <p:cNvPr id="8" name="文本框 7">
+            <a:extLst>
+              <a:ext uri="{FF2B5EF4-FFF2-40B4-BE49-F238E27FC236}">
+                <a16:creationId xmlns:a16="http://schemas.microsoft.com/office/drawing/2014/main" id="{B4D73D38-C608-4C0E-B9AC-29F6A9930874}"/>
+              </a:ext>
+            </a:extLst>
+          </p:cNvPr>
+          <p:cNvSpPr txBox="1"/>
+          <p:nvPr/>
+        </p:nvSpPr>
+        <p:spPr>
+          <a:xfrm>
+            <a:off x="733424" y="1125310"/>
+            <a:ext cx="2543175" cy="369332"/>
+          </a:xfrm>
+          <a:prstGeom prst="rect">
+            <a:avLst/>
+          </a:prstGeom>
+          <a:noFill/>
+        </p:spPr>
+        <p:txBody>
+          <a:bodyPr wrap="square" rtlCol="0">
+            <a:spAutoFit/>
+          </a:bodyPr>
+          <a:lstStyle/>
+          <a:p>
+            <a:r>
+              <a:rPr lang="en-US" altLang="zh-CN" dirty="0"/>
+              <a:t>Hard case</a:t>
+            </a:r>
+            <a:r>
+              <a:rPr lang="zh-CN" altLang="en-US" dirty="0"/>
+              <a:t>：</a:t>
+            </a:r>
+          </a:p>
+        </p:txBody>
+      </p:sp>
+      <p:cxnSp>
+        <p:nvCxnSpPr>
+          <p:cNvPr id="9" name="直接箭头连接符 8">
+            <a:extLst>
+              <a:ext uri="{FF2B5EF4-FFF2-40B4-BE49-F238E27FC236}">
+                <a16:creationId xmlns:a16="http://schemas.microsoft.com/office/drawing/2014/main" id="{FFBC4189-33C2-4807-A3B3-0DC83BFE251D}"/>
+              </a:ext>
+            </a:extLst>
+          </p:cNvPr>
+          <p:cNvCxnSpPr>
+            <a:cxnSpLocks/>
+          </p:cNvCxnSpPr>
+          <p:nvPr/>
+        </p:nvCxnSpPr>
+        <p:spPr>
+          <a:xfrm flipH="1" flipV="1">
+            <a:off x="2018681" y="4860445"/>
+            <a:ext cx="144000" cy="1331651"/>
+          </a:xfrm>
+          <a:prstGeom prst="straightConnector1">
+            <a:avLst/>
+          </a:prstGeom>
+          <a:ln w="25400">
+            <a:tailEnd type="triangle"/>
+          </a:ln>
+        </p:spPr>
+        <p:style>
+          <a:lnRef idx="1">
+            <a:schemeClr val="accent4"/>
+          </a:lnRef>
+          <a:fillRef idx="0">
+            <a:schemeClr val="accent4"/>
+          </a:fillRef>
+          <a:effectRef idx="0">
+            <a:schemeClr val="accent4"/>
+          </a:effectRef>
+          <a:fontRef idx="minor">
+            <a:schemeClr val="tx1"/>
+          </a:fontRef>
+        </p:style>
+      </p:cxnSp>
+      <p:sp>
+        <p:nvSpPr>
+          <p:cNvPr id="10" name="文本框 9">
+            <a:extLst>
+              <a:ext uri="{FF2B5EF4-FFF2-40B4-BE49-F238E27FC236}">
+                <a16:creationId xmlns:a16="http://schemas.microsoft.com/office/drawing/2014/main" id="{148089C8-84E7-4D64-8D1D-6D7D6E60471B}"/>
+              </a:ext>
+            </a:extLst>
+          </p:cNvPr>
+          <p:cNvSpPr txBox="1"/>
+          <p:nvPr/>
+        </p:nvSpPr>
+        <p:spPr>
+          <a:xfrm>
+            <a:off x="1982643" y="6219127"/>
+            <a:ext cx="1043709" cy="276999"/>
+          </a:xfrm>
+          <a:prstGeom prst="rect">
+            <a:avLst/>
+          </a:prstGeom>
+          <a:noFill/>
+        </p:spPr>
+        <p:txBody>
+          <a:bodyPr wrap="square" rtlCol="0">
+            <a:spAutoFit/>
+          </a:bodyPr>
+          <a:lstStyle/>
+          <a:p>
+            <a:r>
+              <a:rPr lang="en-US" altLang="zh-CN" sz="1200" dirty="0"/>
+              <a:t>First Site</a:t>
+            </a:r>
+            <a:endParaRPr lang="zh-CN" altLang="en-US" sz="1200" dirty="0"/>
+          </a:p>
+        </p:txBody>
+      </p:sp>
+    </p:spTree>
+    <p:extLst>
+      <p:ext uri="{BB962C8B-B14F-4D97-AF65-F5344CB8AC3E}">
+        <p14:creationId xmlns:p14="http://schemas.microsoft.com/office/powerpoint/2010/main" val="4041888664"/>
+      </p:ext>
+    </p:extLst>
+  </p:cSld>
+  <p:clrMapOvr>
+    <a:masterClrMapping/>
+  </p:clrMapOvr>
+</p:sld>
+</file>
+
 <file path=ppt/slides/slide8.xml><?xml version="1.0" encoding="utf-8"?>
+<p:sld xmlns:a="http://schemas.openxmlformats.org/drawingml/2006/main" xmlns:r="http://schemas.openxmlformats.org/officeDocument/2006/relationships" xmlns:p="http://schemas.openxmlformats.org/presentationml/2006/main">
+  <p:cSld>
+    <p:spTree>
+      <p:nvGrpSpPr>
+        <p:cNvPr id="1" name=""/>
+        <p:cNvGrpSpPr/>
+        <p:nvPr/>
+      </p:nvGrpSpPr>
+      <p:grpSpPr>
+        <a:xfrm>
+          <a:off x="0" y="0"/>
+          <a:ext cx="0" cy="0"/>
+          <a:chOff x="0" y="0"/>
+          <a:chExt cx="0" cy="0"/>
+        </a:xfrm>
+      </p:grpSpPr>
+      <p:grpSp>
+        <p:nvGrpSpPr>
+          <p:cNvPr id="40" name="组合 39">
+            <a:extLst>
+              <a:ext uri="{FF2B5EF4-FFF2-40B4-BE49-F238E27FC236}">
+                <a16:creationId xmlns:a16="http://schemas.microsoft.com/office/drawing/2014/main" id="{707117C7-906A-45DC-9F37-81626B7DA610}"/>
+              </a:ext>
+            </a:extLst>
+          </p:cNvPr>
+          <p:cNvGrpSpPr/>
+          <p:nvPr/>
+        </p:nvGrpSpPr>
+        <p:grpSpPr>
+          <a:xfrm>
+            <a:off x="245153" y="1309976"/>
+            <a:ext cx="5133333" cy="5047619"/>
+            <a:chOff x="591383" y="1309976"/>
+            <a:chExt cx="5133333" cy="5047619"/>
+          </a:xfrm>
+        </p:grpSpPr>
+        <p:pic>
+          <p:nvPicPr>
+            <p:cNvPr id="5" name="图片 4">
+              <a:extLst>
+                <a:ext uri="{FF2B5EF4-FFF2-40B4-BE49-F238E27FC236}">
+                  <a16:creationId xmlns:a16="http://schemas.microsoft.com/office/drawing/2014/main" id="{09FC5124-EDBA-4D69-8E8E-E75173F66665}"/>
+                </a:ext>
+              </a:extLst>
+            </p:cNvPr>
+            <p:cNvPicPr>
+              <a:picLocks noChangeAspect="1"/>
+            </p:cNvPicPr>
+            <p:nvPr/>
+          </p:nvPicPr>
+          <p:blipFill>
+            <a:blip r:embed="rId2"/>
+            <a:stretch>
+              <a:fillRect/>
+            </a:stretch>
+          </p:blipFill>
+          <p:spPr>
+            <a:xfrm>
+              <a:off x="591383" y="1309976"/>
+              <a:ext cx="5133333" cy="5047619"/>
+            </a:xfrm>
+            <a:prstGeom prst="rect">
+              <a:avLst/>
+            </a:prstGeom>
+          </p:spPr>
+        </p:pic>
+        <p:sp>
+          <p:nvSpPr>
+            <p:cNvPr id="11" name="椭圆 10">
+              <a:extLst>
+                <a:ext uri="{FF2B5EF4-FFF2-40B4-BE49-F238E27FC236}">
+                  <a16:creationId xmlns:a16="http://schemas.microsoft.com/office/drawing/2014/main" id="{7BAECBDF-4808-4751-A81A-5960E4C65067}"/>
+                </a:ext>
+              </a:extLst>
+            </p:cNvPr>
+            <p:cNvSpPr/>
+            <p:nvPr/>
+          </p:nvSpPr>
+          <p:spPr>
+            <a:xfrm>
+              <a:off x="1786225" y="4763619"/>
+              <a:ext cx="148410" cy="148410"/>
+            </a:xfrm>
+            <a:prstGeom prst="ellipse">
+              <a:avLst/>
+            </a:prstGeom>
+            <a:solidFill>
+              <a:srgbClr val="7030A0"/>
+            </a:solidFill>
+            <a:ln>
+              <a:solidFill>
+                <a:schemeClr val="tx1"/>
+              </a:solidFill>
+            </a:ln>
+          </p:spPr>
+          <p:style>
+            <a:lnRef idx="2">
+              <a:schemeClr val="accent6">
+                <a:shade val="50000"/>
+              </a:schemeClr>
+            </a:lnRef>
+            <a:fillRef idx="1">
+              <a:schemeClr val="accent6"/>
+            </a:fillRef>
+            <a:effectRef idx="0">
+              <a:schemeClr val="accent6"/>
+            </a:effectRef>
+            <a:fontRef idx="minor">
+              <a:schemeClr val="lt1"/>
+            </a:fontRef>
+          </p:style>
+          <p:txBody>
+            <a:bodyPr rtlCol="0" anchor="ctr"/>
+            <a:lstStyle/>
+            <a:p>
+              <a:pPr algn="ctr"/>
+              <a:endParaRPr lang="zh-CN" altLang="en-US"/>
+            </a:p>
+          </p:txBody>
+        </p:sp>
+        <p:sp>
+          <p:nvSpPr>
+            <p:cNvPr id="13" name="椭圆 12">
+              <a:extLst>
+                <a:ext uri="{FF2B5EF4-FFF2-40B4-BE49-F238E27FC236}">
+                  <a16:creationId xmlns:a16="http://schemas.microsoft.com/office/drawing/2014/main" id="{29414C11-60FE-445E-A12B-2EA6208F4A8D}"/>
+                </a:ext>
+              </a:extLst>
+            </p:cNvPr>
+            <p:cNvSpPr/>
+            <p:nvPr/>
+          </p:nvSpPr>
+          <p:spPr>
+            <a:xfrm>
+              <a:off x="2110739" y="3620619"/>
+              <a:ext cx="105835" cy="103656"/>
+            </a:xfrm>
+            <a:prstGeom prst="ellipse">
+              <a:avLst/>
+            </a:prstGeom>
+            <a:solidFill>
+              <a:srgbClr val="7030A0"/>
+            </a:solidFill>
+            <a:ln>
+              <a:solidFill>
+                <a:schemeClr val="tx1"/>
+              </a:solidFill>
+            </a:ln>
+          </p:spPr>
+          <p:style>
+            <a:lnRef idx="2">
+              <a:schemeClr val="accent6">
+                <a:shade val="50000"/>
+              </a:schemeClr>
+            </a:lnRef>
+            <a:fillRef idx="1">
+              <a:schemeClr val="accent6"/>
+            </a:fillRef>
+            <a:effectRef idx="0">
+              <a:schemeClr val="accent6"/>
+            </a:effectRef>
+            <a:fontRef idx="minor">
+              <a:schemeClr val="lt1"/>
+            </a:fontRef>
+          </p:style>
+          <p:txBody>
+            <a:bodyPr rtlCol="0" anchor="ctr"/>
+            <a:lstStyle/>
+            <a:p>
+              <a:pPr algn="ctr"/>
+              <a:endParaRPr lang="zh-CN" altLang="en-US"/>
+            </a:p>
+          </p:txBody>
+        </p:sp>
+        <p:sp>
+          <p:nvSpPr>
+            <p:cNvPr id="15" name="椭圆 14">
+              <a:extLst>
+                <a:ext uri="{FF2B5EF4-FFF2-40B4-BE49-F238E27FC236}">
+                  <a16:creationId xmlns:a16="http://schemas.microsoft.com/office/drawing/2014/main" id="{DEB52DA9-DBE9-4EFC-BA73-BC17FA402AD1}"/>
+                </a:ext>
+              </a:extLst>
+            </p:cNvPr>
+            <p:cNvSpPr/>
+            <p:nvPr/>
+          </p:nvSpPr>
+          <p:spPr>
+            <a:xfrm>
+              <a:off x="3112751" y="4961739"/>
+              <a:ext cx="105835" cy="103656"/>
+            </a:xfrm>
+            <a:prstGeom prst="ellipse">
+              <a:avLst/>
+            </a:prstGeom>
+            <a:solidFill>
+              <a:srgbClr val="7030A0"/>
+            </a:solidFill>
+            <a:ln>
+              <a:solidFill>
+                <a:schemeClr val="tx1"/>
+              </a:solidFill>
+            </a:ln>
+          </p:spPr>
+          <p:style>
+            <a:lnRef idx="2">
+              <a:schemeClr val="accent6">
+                <a:shade val="50000"/>
+              </a:schemeClr>
+            </a:lnRef>
+            <a:fillRef idx="1">
+              <a:schemeClr val="accent6"/>
+            </a:fillRef>
+            <a:effectRef idx="0">
+              <a:schemeClr val="accent6"/>
+            </a:effectRef>
+            <a:fontRef idx="minor">
+              <a:schemeClr val="lt1"/>
+            </a:fontRef>
+          </p:style>
+          <p:txBody>
+            <a:bodyPr rtlCol="0" anchor="ctr"/>
+            <a:lstStyle/>
+            <a:p>
+              <a:pPr algn="ctr"/>
+              <a:endParaRPr lang="zh-CN" altLang="en-US"/>
+            </a:p>
+          </p:txBody>
+        </p:sp>
+      </p:grpSp>
+      <p:sp>
+        <p:nvSpPr>
+          <p:cNvPr id="7" name="文本框 6">
+            <a:extLst>
+              <a:ext uri="{FF2B5EF4-FFF2-40B4-BE49-F238E27FC236}">
+                <a16:creationId xmlns:a16="http://schemas.microsoft.com/office/drawing/2014/main" id="{6711EDFB-200D-423A-83CE-6D393CBB7A2B}"/>
+              </a:ext>
+            </a:extLst>
+          </p:cNvPr>
+          <p:cNvSpPr txBox="1"/>
+          <p:nvPr/>
+        </p:nvSpPr>
+        <p:spPr>
+          <a:xfrm>
+            <a:off x="529424" y="679885"/>
+            <a:ext cx="6094520" cy="400110"/>
+          </a:xfrm>
+          <a:prstGeom prst="rect">
+            <a:avLst/>
+          </a:prstGeom>
+          <a:noFill/>
+        </p:spPr>
+        <p:txBody>
+          <a:bodyPr wrap="square">
+            <a:spAutoFit/>
+          </a:bodyPr>
+          <a:lstStyle/>
+          <a:p>
+            <a:r>
+              <a:rPr lang="en-US" altLang="zh-CN" sz="2000" b="1" i="0" u="none" strike="noStrike" baseline="0" dirty="0">
+                <a:solidFill>
+                  <a:srgbClr val="000000"/>
+                </a:solidFill>
+                <a:latin typeface="Arial" panose="020B0604020202020204" pitchFamily="34" charset="0"/>
+              </a:rPr>
+              <a:t>initial </a:t>
+            </a:r>
+            <a:r>
+              <a:rPr lang="en-US" altLang="zh-CN" sz="1800" b="1" i="0" u="none" strike="noStrike" baseline="0" dirty="0">
+                <a:solidFill>
+                  <a:srgbClr val="000000"/>
+                </a:solidFill>
+                <a:latin typeface="Arial" panose="020B0604020202020204" pitchFamily="34" charset="0"/>
+              </a:rPr>
+              <a:t>partition</a:t>
+            </a:r>
+            <a:r>
+              <a:rPr lang="en-US" altLang="zh-CN" sz="2000" b="1" i="0" u="none" strike="noStrike" baseline="0" dirty="0">
+                <a:solidFill>
+                  <a:srgbClr val="000000"/>
+                </a:solidFill>
+                <a:latin typeface="Arial" panose="020B0604020202020204" pitchFamily="34" charset="0"/>
+              </a:rPr>
+              <a:t> selection algorithm </a:t>
+            </a:r>
+            <a:endParaRPr lang="zh-CN" altLang="en-US" sz="2000" dirty="0"/>
+          </a:p>
+        </p:txBody>
+      </p:sp>
+      <p:sp>
+        <p:nvSpPr>
+          <p:cNvPr id="9" name="文本框 8">
+            <a:extLst>
+              <a:ext uri="{FF2B5EF4-FFF2-40B4-BE49-F238E27FC236}">
+                <a16:creationId xmlns:a16="http://schemas.microsoft.com/office/drawing/2014/main" id="{E147FA0F-E7D7-458C-8838-39213E109187}"/>
+              </a:ext>
+            </a:extLst>
+          </p:cNvPr>
+          <p:cNvSpPr txBox="1"/>
+          <p:nvPr/>
+        </p:nvSpPr>
+        <p:spPr>
+          <a:xfrm>
+            <a:off x="733424" y="1125310"/>
+            <a:ext cx="2543175" cy="369332"/>
+          </a:xfrm>
+          <a:prstGeom prst="rect">
+            <a:avLst/>
+          </a:prstGeom>
+          <a:noFill/>
+        </p:spPr>
+        <p:txBody>
+          <a:bodyPr wrap="square" rtlCol="0">
+            <a:spAutoFit/>
+          </a:bodyPr>
+          <a:lstStyle/>
+          <a:p>
+            <a:r>
+              <a:rPr lang="en-US" altLang="zh-CN" dirty="0"/>
+              <a:t>Hard case</a:t>
+            </a:r>
+            <a:r>
+              <a:rPr lang="zh-CN" altLang="en-US" dirty="0"/>
+              <a:t>：</a:t>
+            </a:r>
+          </a:p>
+        </p:txBody>
+      </p:sp>
+      <p:sp>
+        <p:nvSpPr>
+          <p:cNvPr id="19" name="椭圆 18">
+            <a:extLst>
+              <a:ext uri="{FF2B5EF4-FFF2-40B4-BE49-F238E27FC236}">
+                <a16:creationId xmlns:a16="http://schemas.microsoft.com/office/drawing/2014/main" id="{72796D9B-4CE2-4357-BA19-701F584E32EC}"/>
+              </a:ext>
+            </a:extLst>
+          </p:cNvPr>
+          <p:cNvSpPr/>
+          <p:nvPr/>
+        </p:nvSpPr>
+        <p:spPr>
+          <a:xfrm>
+            <a:off x="5344860" y="2391578"/>
+            <a:ext cx="148410" cy="148410"/>
+          </a:xfrm>
+          <a:prstGeom prst="ellipse">
+            <a:avLst/>
+          </a:prstGeom>
+          <a:solidFill>
+            <a:srgbClr val="FFFF00"/>
+          </a:solidFill>
+          <a:ln>
+            <a:solidFill>
+              <a:schemeClr val="tx1"/>
+            </a:solidFill>
+          </a:ln>
+        </p:spPr>
+        <p:style>
+          <a:lnRef idx="2">
+            <a:schemeClr val="accent6">
+              <a:shade val="50000"/>
+            </a:schemeClr>
+          </a:lnRef>
+          <a:fillRef idx="1">
+            <a:schemeClr val="accent6"/>
+          </a:fillRef>
+          <a:effectRef idx="0">
+            <a:schemeClr val="accent6"/>
+          </a:effectRef>
+          <a:fontRef idx="minor">
+            <a:schemeClr val="lt1"/>
+          </a:fontRef>
+        </p:style>
+        <p:txBody>
+          <a:bodyPr rtlCol="0" anchor="ctr"/>
+          <a:lstStyle/>
+          <a:p>
+            <a:pPr algn="ctr"/>
+            <a:endParaRPr lang="zh-CN" altLang="en-US"/>
+          </a:p>
+        </p:txBody>
+      </p:sp>
+      <p:sp>
+        <p:nvSpPr>
+          <p:cNvPr id="21" name="椭圆 20">
+            <a:extLst>
+              <a:ext uri="{FF2B5EF4-FFF2-40B4-BE49-F238E27FC236}">
+                <a16:creationId xmlns:a16="http://schemas.microsoft.com/office/drawing/2014/main" id="{0235F236-8A5D-4C97-8632-D5316A61ED3F}"/>
+              </a:ext>
+            </a:extLst>
+          </p:cNvPr>
+          <p:cNvSpPr/>
+          <p:nvPr/>
+        </p:nvSpPr>
+        <p:spPr>
+          <a:xfrm>
+            <a:off x="5344860" y="1962040"/>
+            <a:ext cx="148410" cy="148410"/>
+          </a:xfrm>
+          <a:prstGeom prst="ellipse">
+            <a:avLst/>
+          </a:prstGeom>
+          <a:solidFill>
+            <a:srgbClr val="0000FF"/>
+          </a:solidFill>
+          <a:ln>
+            <a:solidFill>
+              <a:schemeClr val="tx1"/>
+            </a:solidFill>
+          </a:ln>
+        </p:spPr>
+        <p:style>
+          <a:lnRef idx="2">
+            <a:schemeClr val="accent6">
+              <a:shade val="50000"/>
+            </a:schemeClr>
+          </a:lnRef>
+          <a:fillRef idx="1">
+            <a:schemeClr val="accent6"/>
+          </a:fillRef>
+          <a:effectRef idx="0">
+            <a:schemeClr val="accent6"/>
+          </a:effectRef>
+          <a:fontRef idx="minor">
+            <a:schemeClr val="lt1"/>
+          </a:fontRef>
+        </p:style>
+        <p:txBody>
+          <a:bodyPr rtlCol="0" anchor="ctr"/>
+          <a:lstStyle/>
+          <a:p>
+            <a:pPr algn="ctr"/>
+            <a:endParaRPr lang="zh-CN" altLang="en-US"/>
+          </a:p>
+        </p:txBody>
+      </p:sp>
+      <p:sp>
+        <p:nvSpPr>
+          <p:cNvPr id="23" name="椭圆 22">
+            <a:extLst>
+              <a:ext uri="{FF2B5EF4-FFF2-40B4-BE49-F238E27FC236}">
+                <a16:creationId xmlns:a16="http://schemas.microsoft.com/office/drawing/2014/main" id="{092C5142-0916-4DC1-91A0-D8F1433D7E76}"/>
+              </a:ext>
+            </a:extLst>
+          </p:cNvPr>
+          <p:cNvSpPr/>
+          <p:nvPr/>
+        </p:nvSpPr>
+        <p:spPr>
+          <a:xfrm>
+            <a:off x="5344860" y="2167706"/>
+            <a:ext cx="148410" cy="148410"/>
+          </a:xfrm>
+          <a:prstGeom prst="ellipse">
+            <a:avLst/>
+          </a:prstGeom>
+          <a:solidFill>
+            <a:srgbClr val="008000"/>
+          </a:solidFill>
+          <a:ln>
+            <a:solidFill>
+              <a:schemeClr val="tx1"/>
+            </a:solidFill>
+          </a:ln>
+        </p:spPr>
+        <p:style>
+          <a:lnRef idx="2">
+            <a:schemeClr val="accent6">
+              <a:shade val="50000"/>
+            </a:schemeClr>
+          </a:lnRef>
+          <a:fillRef idx="1">
+            <a:schemeClr val="accent6"/>
+          </a:fillRef>
+          <a:effectRef idx="0">
+            <a:schemeClr val="accent6"/>
+          </a:effectRef>
+          <a:fontRef idx="minor">
+            <a:schemeClr val="lt1"/>
+          </a:fontRef>
+        </p:style>
+        <p:txBody>
+          <a:bodyPr rtlCol="0" anchor="ctr"/>
+          <a:lstStyle/>
+          <a:p>
+            <a:pPr algn="ctr"/>
+            <a:endParaRPr lang="zh-CN" altLang="en-US"/>
+          </a:p>
+        </p:txBody>
+      </p:sp>
+      <p:sp>
+        <p:nvSpPr>
+          <p:cNvPr id="25" name="椭圆 24">
+            <a:extLst>
+              <a:ext uri="{FF2B5EF4-FFF2-40B4-BE49-F238E27FC236}">
+                <a16:creationId xmlns:a16="http://schemas.microsoft.com/office/drawing/2014/main" id="{F6C856CF-954A-4C8D-AF74-47BD8F16D2B8}"/>
+              </a:ext>
+            </a:extLst>
+          </p:cNvPr>
+          <p:cNvSpPr/>
+          <p:nvPr/>
+        </p:nvSpPr>
+        <p:spPr>
+          <a:xfrm>
+            <a:off x="5331844" y="1756374"/>
+            <a:ext cx="148410" cy="148410"/>
+          </a:xfrm>
+          <a:prstGeom prst="ellipse">
+            <a:avLst/>
+          </a:prstGeom>
+          <a:solidFill>
+            <a:srgbClr val="FF0000"/>
+          </a:solidFill>
+          <a:ln>
+            <a:solidFill>
+              <a:schemeClr val="tx1"/>
+            </a:solidFill>
+          </a:ln>
+        </p:spPr>
+        <p:style>
+          <a:lnRef idx="2">
+            <a:schemeClr val="accent6">
+              <a:shade val="50000"/>
+            </a:schemeClr>
+          </a:lnRef>
+          <a:fillRef idx="1">
+            <a:schemeClr val="accent6"/>
+          </a:fillRef>
+          <a:effectRef idx="0">
+            <a:schemeClr val="accent6"/>
+          </a:effectRef>
+          <a:fontRef idx="minor">
+            <a:schemeClr val="lt1"/>
+          </a:fontRef>
+        </p:style>
+        <p:txBody>
+          <a:bodyPr rtlCol="0" anchor="ctr"/>
+          <a:lstStyle/>
+          <a:p>
+            <a:pPr algn="ctr"/>
+            <a:endParaRPr lang="zh-CN" altLang="en-US"/>
+          </a:p>
+        </p:txBody>
+      </p:sp>
+      <p:sp>
+        <p:nvSpPr>
+          <p:cNvPr id="27" name="矩形 26">
+            <a:extLst>
+              <a:ext uri="{FF2B5EF4-FFF2-40B4-BE49-F238E27FC236}">
+                <a16:creationId xmlns:a16="http://schemas.microsoft.com/office/drawing/2014/main" id="{D0336417-2AEC-4F46-9FBE-43FB0A58888F}"/>
+              </a:ext>
+            </a:extLst>
+          </p:cNvPr>
+          <p:cNvSpPr/>
+          <p:nvPr/>
+        </p:nvSpPr>
+        <p:spPr>
+          <a:xfrm>
+            <a:off x="5260600" y="1719383"/>
+            <a:ext cx="1363344" cy="1077355"/>
+          </a:xfrm>
+          <a:prstGeom prst="rect">
+            <a:avLst/>
+          </a:prstGeom>
+          <a:noFill/>
+          <a:ln>
+            <a:prstDash val="solid"/>
+          </a:ln>
+        </p:spPr>
+        <p:style>
+          <a:lnRef idx="2">
+            <a:schemeClr val="accent1">
+              <a:shade val="50000"/>
+            </a:schemeClr>
+          </a:lnRef>
+          <a:fillRef idx="1">
+            <a:schemeClr val="accent1"/>
+          </a:fillRef>
+          <a:effectRef idx="0">
+            <a:schemeClr val="accent1"/>
+          </a:effectRef>
+          <a:fontRef idx="minor">
+            <a:schemeClr val="lt1"/>
+          </a:fontRef>
+        </p:style>
+        <p:txBody>
+          <a:bodyPr rtlCol="0" anchor="ctr"/>
+          <a:lstStyle/>
+          <a:p>
+            <a:pPr algn="ctr"/>
+            <a:endParaRPr lang="zh-CN" altLang="en-US"/>
+          </a:p>
+        </p:txBody>
+      </p:sp>
+      <p:sp>
+        <p:nvSpPr>
+          <p:cNvPr id="29" name="文本框 28">
+            <a:extLst>
+              <a:ext uri="{FF2B5EF4-FFF2-40B4-BE49-F238E27FC236}">
+                <a16:creationId xmlns:a16="http://schemas.microsoft.com/office/drawing/2014/main" id="{43CDBC2F-F23A-4550-AE1B-D6A4FCADBB43}"/>
+              </a:ext>
+            </a:extLst>
+          </p:cNvPr>
+          <p:cNvSpPr txBox="1"/>
+          <p:nvPr/>
+        </p:nvSpPr>
+        <p:spPr>
+          <a:xfrm>
+            <a:off x="5480254" y="1709907"/>
+            <a:ext cx="1026434" cy="261610"/>
+          </a:xfrm>
+          <a:prstGeom prst="rect">
+            <a:avLst/>
+          </a:prstGeom>
+          <a:noFill/>
+        </p:spPr>
+        <p:txBody>
+          <a:bodyPr wrap="square" rtlCol="0">
+            <a:spAutoFit/>
+          </a:bodyPr>
+          <a:lstStyle/>
+          <a:p>
+            <a:r>
+              <a:rPr lang="en-US" altLang="zh-CN" sz="1100" dirty="0"/>
+              <a:t>Initial center</a:t>
+            </a:r>
+            <a:endParaRPr lang="zh-CN" altLang="en-US" sz="1100" dirty="0"/>
+          </a:p>
+        </p:txBody>
+      </p:sp>
+      <p:sp>
+        <p:nvSpPr>
+          <p:cNvPr id="31" name="文本框 30">
+            <a:extLst>
+              <a:ext uri="{FF2B5EF4-FFF2-40B4-BE49-F238E27FC236}">
+                <a16:creationId xmlns:a16="http://schemas.microsoft.com/office/drawing/2014/main" id="{A3D7D59F-DC96-4B17-BE1F-FBE4A2B4D955}"/>
+              </a:ext>
+            </a:extLst>
+          </p:cNvPr>
+          <p:cNvSpPr txBox="1"/>
+          <p:nvPr/>
+        </p:nvSpPr>
+        <p:spPr>
+          <a:xfrm>
+            <a:off x="5480254" y="1899316"/>
+            <a:ext cx="1246088" cy="261610"/>
+          </a:xfrm>
+          <a:prstGeom prst="rect">
+            <a:avLst/>
+          </a:prstGeom>
+          <a:noFill/>
+        </p:spPr>
+        <p:txBody>
+          <a:bodyPr wrap="square" rtlCol="0">
+            <a:spAutoFit/>
+          </a:bodyPr>
+          <a:lstStyle/>
+          <a:p>
+            <a:r>
+              <a:rPr lang="en-US" altLang="zh-CN" sz="1100" dirty="0"/>
+              <a:t>Initial partition1</a:t>
+            </a:r>
+            <a:endParaRPr lang="zh-CN" altLang="en-US" sz="1100" dirty="0"/>
+          </a:p>
+        </p:txBody>
+      </p:sp>
+      <p:sp>
+        <p:nvSpPr>
+          <p:cNvPr id="33" name="文本框 32">
+            <a:extLst>
+              <a:ext uri="{FF2B5EF4-FFF2-40B4-BE49-F238E27FC236}">
+                <a16:creationId xmlns:a16="http://schemas.microsoft.com/office/drawing/2014/main" id="{6B717E77-0749-46D1-B83F-84089AB8632E}"/>
+              </a:ext>
+            </a:extLst>
+          </p:cNvPr>
+          <p:cNvSpPr txBox="1"/>
+          <p:nvPr/>
+        </p:nvSpPr>
+        <p:spPr>
+          <a:xfrm>
+            <a:off x="5474777" y="2092237"/>
+            <a:ext cx="1196793" cy="261610"/>
+          </a:xfrm>
+          <a:prstGeom prst="rect">
+            <a:avLst/>
+          </a:prstGeom>
+          <a:noFill/>
+        </p:spPr>
+        <p:txBody>
+          <a:bodyPr wrap="square" rtlCol="0">
+            <a:spAutoFit/>
+          </a:bodyPr>
+          <a:lstStyle/>
+          <a:p>
+            <a:r>
+              <a:rPr lang="en-US" altLang="zh-CN" sz="1100" dirty="0"/>
+              <a:t>Initial partition2</a:t>
+            </a:r>
+            <a:endParaRPr lang="zh-CN" altLang="en-US" sz="1100" dirty="0"/>
+          </a:p>
+        </p:txBody>
+      </p:sp>
+      <p:sp>
+        <p:nvSpPr>
+          <p:cNvPr id="35" name="文本框 34">
+            <a:extLst>
+              <a:ext uri="{FF2B5EF4-FFF2-40B4-BE49-F238E27FC236}">
+                <a16:creationId xmlns:a16="http://schemas.microsoft.com/office/drawing/2014/main" id="{20C0D9F3-BB0C-4872-84E7-D78CAFB672E2}"/>
+              </a:ext>
+            </a:extLst>
+          </p:cNvPr>
+          <p:cNvSpPr txBox="1"/>
+          <p:nvPr/>
+        </p:nvSpPr>
+        <p:spPr>
+          <a:xfrm>
+            <a:off x="5481591" y="2300380"/>
+            <a:ext cx="1196793" cy="261610"/>
+          </a:xfrm>
+          <a:prstGeom prst="rect">
+            <a:avLst/>
+          </a:prstGeom>
+          <a:noFill/>
+        </p:spPr>
+        <p:txBody>
+          <a:bodyPr wrap="square" rtlCol="0">
+            <a:spAutoFit/>
+          </a:bodyPr>
+          <a:lstStyle/>
+          <a:p>
+            <a:r>
+              <a:rPr lang="en-US" altLang="zh-CN" sz="1100" dirty="0"/>
+              <a:t>Initial partition3</a:t>
+            </a:r>
+            <a:endParaRPr lang="zh-CN" altLang="en-US" sz="1100" dirty="0"/>
+          </a:p>
+        </p:txBody>
+      </p:sp>
+      <p:sp>
+        <p:nvSpPr>
+          <p:cNvPr id="37" name="椭圆 36">
+            <a:extLst>
+              <a:ext uri="{FF2B5EF4-FFF2-40B4-BE49-F238E27FC236}">
+                <a16:creationId xmlns:a16="http://schemas.microsoft.com/office/drawing/2014/main" id="{09760B18-2B8D-4CBA-A71E-C813FB623CF0}"/>
+              </a:ext>
+            </a:extLst>
+          </p:cNvPr>
+          <p:cNvSpPr/>
+          <p:nvPr/>
+        </p:nvSpPr>
+        <p:spPr>
+          <a:xfrm>
+            <a:off x="5351704" y="2582042"/>
+            <a:ext cx="148410" cy="148410"/>
+          </a:xfrm>
+          <a:prstGeom prst="ellipse">
+            <a:avLst/>
+          </a:prstGeom>
+          <a:solidFill>
+            <a:srgbClr val="7030A0"/>
+          </a:solidFill>
+          <a:ln>
+            <a:solidFill>
+              <a:schemeClr val="tx1"/>
+            </a:solidFill>
+          </a:ln>
+        </p:spPr>
+        <p:style>
+          <a:lnRef idx="2">
+            <a:schemeClr val="accent6">
+              <a:shade val="50000"/>
+            </a:schemeClr>
+          </a:lnRef>
+          <a:fillRef idx="1">
+            <a:schemeClr val="accent6"/>
+          </a:fillRef>
+          <a:effectRef idx="0">
+            <a:schemeClr val="accent6"/>
+          </a:effectRef>
+          <a:fontRef idx="minor">
+            <a:schemeClr val="lt1"/>
+          </a:fontRef>
+        </p:style>
+        <p:txBody>
+          <a:bodyPr rtlCol="0" anchor="ctr"/>
+          <a:lstStyle/>
+          <a:p>
+            <a:pPr algn="ctr"/>
+            <a:endParaRPr lang="zh-CN" altLang="en-US"/>
+          </a:p>
+        </p:txBody>
+      </p:sp>
+      <p:sp>
+        <p:nvSpPr>
+          <p:cNvPr id="39" name="文本框 38">
+            <a:extLst>
+              <a:ext uri="{FF2B5EF4-FFF2-40B4-BE49-F238E27FC236}">
+                <a16:creationId xmlns:a16="http://schemas.microsoft.com/office/drawing/2014/main" id="{B658850B-4C5A-4B18-9B00-079A136E1C19}"/>
+              </a:ext>
+            </a:extLst>
+          </p:cNvPr>
+          <p:cNvSpPr txBox="1"/>
+          <p:nvPr/>
+        </p:nvSpPr>
+        <p:spPr>
+          <a:xfrm>
+            <a:off x="5491449" y="2507749"/>
+            <a:ext cx="1196793" cy="261610"/>
+          </a:xfrm>
+          <a:prstGeom prst="rect">
+            <a:avLst/>
+          </a:prstGeom>
+          <a:noFill/>
+        </p:spPr>
+        <p:txBody>
+          <a:bodyPr wrap="square" rtlCol="0">
+            <a:spAutoFit/>
+          </a:bodyPr>
+          <a:lstStyle/>
+          <a:p>
+            <a:r>
+              <a:rPr lang="en-US" altLang="zh-CN" sz="1100" dirty="0"/>
+              <a:t>Current  result</a:t>
+            </a:r>
+            <a:endParaRPr lang="zh-CN" altLang="en-US" sz="1100" dirty="0"/>
+          </a:p>
+        </p:txBody>
+      </p:sp>
+      <p:grpSp>
+        <p:nvGrpSpPr>
+          <p:cNvPr id="50" name="组合 49">
+            <a:extLst>
+              <a:ext uri="{FF2B5EF4-FFF2-40B4-BE49-F238E27FC236}">
+                <a16:creationId xmlns:a16="http://schemas.microsoft.com/office/drawing/2014/main" id="{08C64473-669A-488E-9914-B72D4172E985}"/>
+              </a:ext>
+            </a:extLst>
+          </p:cNvPr>
+          <p:cNvGrpSpPr/>
+          <p:nvPr/>
+        </p:nvGrpSpPr>
+        <p:grpSpPr>
+          <a:xfrm>
+            <a:off x="6744205" y="1309976"/>
+            <a:ext cx="4943054" cy="5047619"/>
+            <a:chOff x="6774675" y="1494642"/>
+            <a:chExt cx="4952381" cy="5057143"/>
+          </a:xfrm>
+        </p:grpSpPr>
+        <p:pic>
+          <p:nvPicPr>
+            <p:cNvPr id="47" name="图片 46">
+              <a:extLst>
+                <a:ext uri="{FF2B5EF4-FFF2-40B4-BE49-F238E27FC236}">
+                  <a16:creationId xmlns:a16="http://schemas.microsoft.com/office/drawing/2014/main" id="{34A0867B-17E5-4422-AA48-F94CAE6345DE}"/>
+                </a:ext>
+              </a:extLst>
+            </p:cNvPr>
+            <p:cNvPicPr>
+              <a:picLocks noChangeAspect="1"/>
+            </p:cNvPicPr>
+            <p:nvPr/>
+          </p:nvPicPr>
+          <p:blipFill>
+            <a:blip r:embed="rId3"/>
+            <a:stretch>
+              <a:fillRect/>
+            </a:stretch>
+          </p:blipFill>
+          <p:spPr>
+            <a:xfrm>
+              <a:off x="6774675" y="1494642"/>
+              <a:ext cx="4952381" cy="5057143"/>
+            </a:xfrm>
+            <a:prstGeom prst="rect">
+              <a:avLst/>
+            </a:prstGeom>
+          </p:spPr>
+        </p:pic>
+        <p:sp>
+          <p:nvSpPr>
+            <p:cNvPr id="44" name="椭圆 43">
+              <a:extLst>
+                <a:ext uri="{FF2B5EF4-FFF2-40B4-BE49-F238E27FC236}">
+                  <a16:creationId xmlns:a16="http://schemas.microsoft.com/office/drawing/2014/main" id="{3E7F7A8C-2A18-4B90-B6BA-7B62288C2577}"/>
+                </a:ext>
+              </a:extLst>
+            </p:cNvPr>
+            <p:cNvSpPr/>
+            <p:nvPr/>
+          </p:nvSpPr>
+          <p:spPr>
+            <a:xfrm>
+              <a:off x="8169253" y="3926935"/>
+              <a:ext cx="105835" cy="103656"/>
+            </a:xfrm>
+            <a:prstGeom prst="ellipse">
+              <a:avLst/>
+            </a:prstGeom>
+            <a:solidFill>
+              <a:srgbClr val="7030A0"/>
+            </a:solidFill>
+            <a:ln>
+              <a:solidFill>
+                <a:schemeClr val="tx1"/>
+              </a:solidFill>
+            </a:ln>
+          </p:spPr>
+          <p:style>
+            <a:lnRef idx="2">
+              <a:schemeClr val="accent6">
+                <a:shade val="50000"/>
+              </a:schemeClr>
+            </a:lnRef>
+            <a:fillRef idx="1">
+              <a:schemeClr val="accent6"/>
+            </a:fillRef>
+            <a:effectRef idx="0">
+              <a:schemeClr val="accent6"/>
+            </a:effectRef>
+            <a:fontRef idx="minor">
+              <a:schemeClr val="lt1"/>
+            </a:fontRef>
+          </p:style>
+          <p:txBody>
+            <a:bodyPr rtlCol="0" anchor="ctr"/>
+            <a:lstStyle/>
+            <a:p>
+              <a:pPr algn="ctr"/>
+              <a:endParaRPr lang="zh-CN" altLang="en-US"/>
+            </a:p>
+          </p:txBody>
+        </p:sp>
+        <p:sp>
+          <p:nvSpPr>
+            <p:cNvPr id="45" name="椭圆 44">
+              <a:extLst>
+                <a:ext uri="{FF2B5EF4-FFF2-40B4-BE49-F238E27FC236}">
+                  <a16:creationId xmlns:a16="http://schemas.microsoft.com/office/drawing/2014/main" id="{96947B80-DFCC-40DD-A5C0-8592ED968649}"/>
+                </a:ext>
+              </a:extLst>
+            </p:cNvPr>
+            <p:cNvSpPr/>
+            <p:nvPr/>
+          </p:nvSpPr>
+          <p:spPr>
+            <a:xfrm>
+              <a:off x="9242626" y="5141569"/>
+              <a:ext cx="105835" cy="103656"/>
+            </a:xfrm>
+            <a:prstGeom prst="ellipse">
+              <a:avLst/>
+            </a:prstGeom>
+            <a:solidFill>
+              <a:srgbClr val="7030A0"/>
+            </a:solidFill>
+            <a:ln>
+              <a:solidFill>
+                <a:schemeClr val="tx1"/>
+              </a:solidFill>
+            </a:ln>
+          </p:spPr>
+          <p:style>
+            <a:lnRef idx="2">
+              <a:schemeClr val="accent6">
+                <a:shade val="50000"/>
+              </a:schemeClr>
+            </a:lnRef>
+            <a:fillRef idx="1">
+              <a:schemeClr val="accent6"/>
+            </a:fillRef>
+            <a:effectRef idx="0">
+              <a:schemeClr val="accent6"/>
+            </a:effectRef>
+            <a:fontRef idx="minor">
+              <a:schemeClr val="lt1"/>
+            </a:fontRef>
+          </p:style>
+          <p:txBody>
+            <a:bodyPr rtlCol="0" anchor="ctr"/>
+            <a:lstStyle/>
+            <a:p>
+              <a:pPr algn="ctr"/>
+              <a:endParaRPr lang="zh-CN" altLang="en-US"/>
+            </a:p>
+          </p:txBody>
+        </p:sp>
+        <p:sp>
+          <p:nvSpPr>
+            <p:cNvPr id="49" name="椭圆 48">
+              <a:extLst>
+                <a:ext uri="{FF2B5EF4-FFF2-40B4-BE49-F238E27FC236}">
+                  <a16:creationId xmlns:a16="http://schemas.microsoft.com/office/drawing/2014/main" id="{EA0A2189-AB28-429F-9B4B-45D594701EC7}"/>
+                </a:ext>
+              </a:extLst>
+            </p:cNvPr>
+            <p:cNvSpPr/>
+            <p:nvPr/>
+          </p:nvSpPr>
+          <p:spPr>
+            <a:xfrm>
+              <a:off x="7855468" y="5127841"/>
+              <a:ext cx="105835" cy="103656"/>
+            </a:xfrm>
+            <a:prstGeom prst="ellipse">
+              <a:avLst/>
+            </a:prstGeom>
+            <a:solidFill>
+              <a:srgbClr val="7030A0"/>
+            </a:solidFill>
+            <a:ln>
+              <a:solidFill>
+                <a:schemeClr val="tx1"/>
+              </a:solidFill>
+            </a:ln>
+          </p:spPr>
+          <p:style>
+            <a:lnRef idx="2">
+              <a:schemeClr val="accent6">
+                <a:shade val="50000"/>
+              </a:schemeClr>
+            </a:lnRef>
+            <a:fillRef idx="1">
+              <a:schemeClr val="accent6"/>
+            </a:fillRef>
+            <a:effectRef idx="0">
+              <a:schemeClr val="accent6"/>
+            </a:effectRef>
+            <a:fontRef idx="minor">
+              <a:schemeClr val="lt1"/>
+            </a:fontRef>
+          </p:style>
+          <p:txBody>
+            <a:bodyPr rtlCol="0" anchor="ctr"/>
+            <a:lstStyle/>
+            <a:p>
+              <a:pPr algn="ctr"/>
+              <a:endParaRPr lang="zh-CN" altLang="en-US"/>
+            </a:p>
+          </p:txBody>
+        </p:sp>
+      </p:grpSp>
+      <p:sp>
+        <p:nvSpPr>
+          <p:cNvPr id="51" name="箭头: 右 50">
+            <a:extLst>
+              <a:ext uri="{FF2B5EF4-FFF2-40B4-BE49-F238E27FC236}">
+                <a16:creationId xmlns:a16="http://schemas.microsoft.com/office/drawing/2014/main" id="{96624467-8289-45BE-9C46-5CFAB1551565}"/>
+              </a:ext>
+            </a:extLst>
+          </p:cNvPr>
+          <p:cNvSpPr/>
+          <p:nvPr/>
+        </p:nvSpPr>
+        <p:spPr>
+          <a:xfrm>
+            <a:off x="5498747" y="3524435"/>
+            <a:ext cx="1007941" cy="621437"/>
+          </a:xfrm>
+          <a:prstGeom prst="rightArrow">
+            <a:avLst/>
+          </a:prstGeom>
+        </p:spPr>
+        <p:style>
+          <a:lnRef idx="2">
+            <a:schemeClr val="accent1">
+              <a:shade val="50000"/>
+            </a:schemeClr>
+          </a:lnRef>
+          <a:fillRef idx="1">
+            <a:schemeClr val="accent1"/>
+          </a:fillRef>
+          <a:effectRef idx="0">
+            <a:schemeClr val="accent1"/>
+          </a:effectRef>
+          <a:fontRef idx="minor">
+            <a:schemeClr val="lt1"/>
+          </a:fontRef>
+        </p:style>
+        <p:txBody>
+          <a:bodyPr rtlCol="0" anchor="ctr"/>
+          <a:lstStyle/>
+          <a:p>
+            <a:pPr algn="ctr"/>
+            <a:endParaRPr lang="zh-CN" altLang="en-US"/>
+          </a:p>
+        </p:txBody>
+      </p:sp>
+    </p:spTree>
+    <p:extLst>
+      <p:ext uri="{BB962C8B-B14F-4D97-AF65-F5344CB8AC3E}">
+        <p14:creationId xmlns:p14="http://schemas.microsoft.com/office/powerpoint/2010/main" val="508513976"/>
+      </p:ext>
+    </p:extLst>
+  </p:cSld>
+  <p:clrMapOvr>
+    <a:masterClrMapping/>
+  </p:clrMapOvr>
+</p:sld>
+</file>
+
+<file path=ppt/slides/slide9.xml><?xml version="1.0" encoding="utf-8"?>
 <p:sld xmlns:a="http://schemas.openxmlformats.org/drawingml/2006/main" xmlns:r="http://schemas.openxmlformats.org/officeDocument/2006/relationships" xmlns:p="http://schemas.openxmlformats.org/presentationml/2006/main">
   <p:cSld>
     <p:spTree>
